--- a/Android/Lesson5/Operation.pptx
+++ b/Android/Lesson5/Operation.pptx
@@ -5,26 +5,28 @@
     <p:sldMasterId id="2147483840" r:id="rId4"/>
   </p:sldMasterIdLst>
   <p:notesMasterIdLst>
-    <p:notesMasterId r:id="rId19"/>
+    <p:notesMasterId r:id="rId21"/>
   </p:notesMasterIdLst>
   <p:handoutMasterIdLst>
-    <p:handoutMasterId r:id="rId20"/>
+    <p:handoutMasterId r:id="rId22"/>
   </p:handoutMasterIdLst>
   <p:sldIdLst>
     <p:sldId id="256" r:id="rId5"/>
-    <p:sldId id="296" r:id="rId6"/>
-    <p:sldId id="295" r:id="rId7"/>
-    <p:sldId id="309" r:id="rId8"/>
-    <p:sldId id="303" r:id="rId9"/>
-    <p:sldId id="308" r:id="rId10"/>
-    <p:sldId id="310" r:id="rId11"/>
-    <p:sldId id="311" r:id="rId12"/>
-    <p:sldId id="257" r:id="rId13"/>
-    <p:sldId id="312" r:id="rId14"/>
-    <p:sldId id="258" r:id="rId15"/>
-    <p:sldId id="314" r:id="rId16"/>
-    <p:sldId id="313" r:id="rId17"/>
-    <p:sldId id="315" r:id="rId18"/>
+    <p:sldId id="295" r:id="rId6"/>
+    <p:sldId id="296" r:id="rId7"/>
+    <p:sldId id="298" r:id="rId8"/>
+    <p:sldId id="309" r:id="rId9"/>
+    <p:sldId id="303" r:id="rId10"/>
+    <p:sldId id="308" r:id="rId11"/>
+    <p:sldId id="310" r:id="rId12"/>
+    <p:sldId id="311" r:id="rId13"/>
+    <p:sldId id="257" r:id="rId14"/>
+    <p:sldId id="312" r:id="rId15"/>
+    <p:sldId id="258" r:id="rId16"/>
+    <p:sldId id="314" r:id="rId17"/>
+    <p:sldId id="313" r:id="rId18"/>
+    <p:sldId id="353" r:id="rId19"/>
+    <p:sldId id="355" r:id="rId20"/>
   </p:sldIdLst>
   <p:sldSz cx="12192000" cy="6858000"/>
   <p:notesSz cx="6858000" cy="9144000"/>
@@ -230,7 +232,7 @@
             <a:pPr rtl="0"/>
             <a:fld id="{7F37960E-1F7C-41B1-9A2B-96C83E797D56}" type="datetime1">
               <a:rPr lang="ru-RU" smtClean="0"/>
-              <a:t>24.09.2020</a:t>
+              <a:t>25.09.2020</a:t>
             </a:fld>
             <a:endParaRPr lang="ru-RU" dirty="0"/>
           </a:p>
@@ -411,7 +413,7 @@
             <a:fld id="{DEB9C201-AC4F-4363-955C-CEDBBD62208D}" type="datetime1">
               <a:rPr lang="ru-RU" smtClean="0"/>
               <a:pPr/>
-              <a:t>24.09.2020</a:t>
+              <a:t>25.09.2020</a:t>
             </a:fld>
             <a:endParaRPr lang="ru-RU" dirty="0"/>
           </a:p>
@@ -1406,7 +1408,7 @@
             <a:pPr rtl="0"/>
             <a:fld id="{E86AA575-909A-4E84-A73A-2B96081E700B}" type="datetime1">
               <a:rPr lang="ru-RU" noProof="0" smtClean="0"/>
-              <a:t>24.09.2020</a:t>
+              <a:t>25.09.2020</a:t>
             </a:fld>
             <a:endParaRPr lang="ru-RU" noProof="0"/>
           </a:p>
@@ -2636,7 +2638,7 @@
             <a:pPr rtl="0"/>
             <a:fld id="{05D13EF0-FE8D-43FC-AE79-F77DF127C654}" type="datetime1">
               <a:rPr lang="ru-RU" noProof="0" smtClean="0"/>
-              <a:t>24.09.2020</a:t>
+              <a:t>25.09.2020</a:t>
             </a:fld>
             <a:endParaRPr lang="ru-RU" noProof="0"/>
           </a:p>
@@ -4070,7 +4072,7 @@
             <a:pPr rtl="0"/>
             <a:fld id="{CC9A25B9-C5B6-4321-9761-C8D3F1A3412A}" type="datetime1">
               <a:rPr lang="ru-RU" noProof="0" smtClean="0"/>
-              <a:t>24.09.2020</a:t>
+              <a:t>25.09.2020</a:t>
             </a:fld>
             <a:endParaRPr lang="ru-RU" noProof="0"/>
           </a:p>
@@ -4343,7 +4345,7 @@
             <a:pPr rtl="0"/>
             <a:fld id="{1C7E678F-447A-480B-9B75-01799EA8EF53}" type="datetime1">
               <a:rPr lang="ru-RU" noProof="0" smtClean="0"/>
-              <a:t>24.09.2020</a:t>
+              <a:t>25.09.2020</a:t>
             </a:fld>
             <a:endParaRPr lang="ru-RU" noProof="0"/>
           </a:p>
@@ -4726,7 +4728,7 @@
             <a:pPr rtl="0"/>
             <a:fld id="{872512C1-8A81-4FB1-A62C-2439B34D73D0}" type="datetime1">
               <a:rPr lang="ru-RU" noProof="0" smtClean="0"/>
-              <a:t>24.09.2020</a:t>
+              <a:t>25.09.2020</a:t>
             </a:fld>
             <a:endParaRPr lang="ru-RU" noProof="0"/>
           </a:p>
@@ -4847,7 +4849,7 @@
             <a:pPr rtl="0"/>
             <a:fld id="{81B13030-9547-48AA-9A77-B6FE0D9329CE}" type="datetime1">
               <a:rPr lang="ru-RU" noProof="0" smtClean="0"/>
-              <a:t>24.09.2020</a:t>
+              <a:t>25.09.2020</a:t>
             </a:fld>
             <a:endParaRPr lang="ru-RU" noProof="0"/>
           </a:p>
@@ -4945,7 +4947,7 @@
             <a:pPr rtl="0"/>
             <a:fld id="{CE5B4ED4-48AB-41C5-85BE-36F29B424A13}" type="datetime1">
               <a:rPr lang="ru-RU" noProof="0" smtClean="0"/>
-              <a:t>24.09.2020</a:t>
+              <a:t>25.09.2020</a:t>
             </a:fld>
             <a:endParaRPr lang="ru-RU" noProof="0"/>
           </a:p>
@@ -5153,7 +5155,7 @@
             <a:pPr rtl="0"/>
             <a:fld id="{43235056-05E5-49FA-85B9-C13A880503DF}" type="datetime1">
               <a:rPr lang="ru-RU" noProof="0" smtClean="0"/>
-              <a:t>24.09.2020</a:t>
+              <a:t>25.09.2020</a:t>
             </a:fld>
             <a:endParaRPr lang="ru-RU" noProof="0"/>
           </a:p>
@@ -6218,7 +6220,7 @@
             <a:pPr rtl="0"/>
             <a:fld id="{C0FE25B6-26B9-4795-9DB3-1F92AB5CD076}" type="datetime1">
               <a:rPr lang="ru-RU" noProof="0" smtClean="0"/>
-              <a:t>24.09.2020</a:t>
+              <a:t>25.09.2020</a:t>
             </a:fld>
             <a:endParaRPr lang="ru-RU" noProof="0"/>
           </a:p>
@@ -6856,7 +6858,7 @@
             <a:pPr rtl="0"/>
             <a:fld id="{0035181B-387F-4E5B-AC56-E7811112EC5A}" type="datetime1">
               <a:rPr lang="ru-RU" noProof="0" smtClean="0"/>
-              <a:t>24.09.2020</a:t>
+              <a:t>25.09.2020</a:t>
             </a:fld>
             <a:endParaRPr lang="ru-RU" noProof="0"/>
           </a:p>
@@ -7784,7 +7786,7 @@
             <a:pPr rtl="0"/>
             <a:fld id="{C46630CC-A9AF-4535-8F2C-F1F193CA8C0F}" type="datetime1">
               <a:rPr lang="ru-RU" noProof="0" smtClean="0"/>
-              <a:t>24.09.2020</a:t>
+              <a:t>25.09.2020</a:t>
             </a:fld>
             <a:endParaRPr lang="ru-RU" noProof="0"/>
           </a:p>
@@ -8943,7 +8945,7 @@
             <a:pPr rtl="0"/>
             <a:fld id="{61CC947A-8F53-4F5E-AF9C-EDEF04AD8794}" type="datetime1">
               <a:rPr lang="ru-RU" noProof="0" smtClean="0"/>
-              <a:t>24.09.2020</a:t>
+              <a:t>25.09.2020</a:t>
             </a:fld>
             <a:endParaRPr lang="ru-RU" noProof="0"/>
           </a:p>
@@ -10237,7 +10239,7 @@
             <a:pPr rtl="0"/>
             <a:fld id="{06BC0FA3-29EB-469B-9530-6BBADAB7B2D7}" type="datetime1">
               <a:rPr lang="ru-RU" noProof="0" smtClean="0"/>
-              <a:t>24.09.2020</a:t>
+              <a:t>25.09.2020</a:t>
             </a:fld>
             <a:endParaRPr lang="ru-RU" noProof="0"/>
           </a:p>
@@ -11239,7 +11241,7 @@
             <a:pPr rtl="0"/>
             <a:fld id="{2727B839-FF0E-42D3-9556-B9897ECA7F5F}" type="datetime1">
               <a:rPr lang="ru-RU" noProof="0" smtClean="0"/>
-              <a:t>24.09.2020</a:t>
+              <a:t>25.09.2020</a:t>
             </a:fld>
             <a:endParaRPr lang="ru-RU" noProof="0"/>
           </a:p>
@@ -12159,7 +12161,7 @@
             <a:pPr rtl="0"/>
             <a:fld id="{70933AA0-1871-4D22-9234-42BFA2DFD622}" type="datetime1">
               <a:rPr lang="ru-RU" noProof="0" smtClean="0"/>
-              <a:t>24.09.2020</a:t>
+              <a:t>25.09.2020</a:t>
             </a:fld>
             <a:endParaRPr lang="ru-RU" noProof="0"/>
           </a:p>
@@ -13556,7 +13558,7 @@
             <a:pPr rtl="0"/>
             <a:fld id="{750BD660-1F04-425F-B3B4-F2FF4576CCBF}" type="datetime1">
               <a:rPr lang="ru-RU" noProof="0" smtClean="0"/>
-              <a:t>24.09.2020</a:t>
+              <a:t>25.09.2020</a:t>
             </a:fld>
             <a:endParaRPr lang="ru-RU" noProof="0" dirty="0"/>
           </a:p>
@@ -14243,6 +14245,1041 @@
       </p:grpSpPr>
       <p:sp>
         <p:nvSpPr>
+          <p:cNvPr id="82" name="CustomShape 1"/>
+          <p:cNvSpPr/>
+          <p:nvPr/>
+        </p:nvSpPr>
+        <p:spPr>
+          <a:xfrm>
+            <a:off x="2152560" y="297720"/>
+            <a:ext cx="7882920" cy="759240"/>
+          </a:xfrm>
+          <a:prstGeom prst="rect">
+            <a:avLst/>
+          </a:prstGeom>
+          <a:noFill/>
+          <a:ln>
+            <a:noFill/>
+          </a:ln>
+        </p:spPr>
+        <p:style>
+          <a:lnRef idx="0">
+            <a:scrgbClr r="0" g="0" b="0"/>
+          </a:lnRef>
+          <a:fillRef idx="0">
+            <a:scrgbClr r="0" g="0" b="0"/>
+          </a:fillRef>
+          <a:effectRef idx="0">
+            <a:scrgbClr r="0" g="0" b="0"/>
+          </a:effectRef>
+          <a:fontRef idx="minor"/>
+        </p:style>
+        <p:txBody>
+          <a:bodyPr lIns="90000" tIns="45000" rIns="90000" bIns="45000" anchor="ctr">
+            <a:normAutofit/>
+          </a:bodyPr>
+          <a:lstStyle/>
+          <a:p>
+            <a:pPr algn="ctr">
+              <a:lnSpc>
+                <a:spcPct val="90000"/>
+              </a:lnSpc>
+            </a:pPr>
+            <a:r>
+              <a:rPr lang="ru-RU" sz="4000" b="1" spc="-1">
+                <a:solidFill>
+                  <a:srgbClr val="203864"/>
+                </a:solidFill>
+                <a:latin typeface="Calibri"/>
+                <a:ea typeface="DejaVu Sans"/>
+              </a:rPr>
+              <a:t>Арифметические операции</a:t>
+            </a:r>
+            <a:endParaRPr lang="ru-RU" sz="4000" spc="-1">
+              <a:latin typeface="Arial"/>
+            </a:endParaRPr>
+          </a:p>
+        </p:txBody>
+      </p:sp>
+      <p:sp>
+        <p:nvSpPr>
+          <p:cNvPr id="83" name="CustomShape 2"/>
+          <p:cNvSpPr/>
+          <p:nvPr/>
+        </p:nvSpPr>
+        <p:spPr>
+          <a:xfrm>
+            <a:off x="1956000" y="1584000"/>
+            <a:ext cx="2230200" cy="1222560"/>
+          </a:xfrm>
+          <a:prstGeom prst="rect">
+            <a:avLst/>
+          </a:prstGeom>
+          <a:solidFill>
+            <a:srgbClr val="729FCF"/>
+          </a:solidFill>
+          <a:ln>
+            <a:solidFill>
+              <a:srgbClr val="3465A4"/>
+            </a:solidFill>
+          </a:ln>
+        </p:spPr>
+        <p:style>
+          <a:lnRef idx="0">
+            <a:scrgbClr r="0" g="0" b="0"/>
+          </a:lnRef>
+          <a:fillRef idx="0">
+            <a:scrgbClr r="0" g="0" b="0"/>
+          </a:fillRef>
+          <a:effectRef idx="0">
+            <a:scrgbClr r="0" g="0" b="0"/>
+          </a:effectRef>
+          <a:fontRef idx="minor"/>
+        </p:style>
+        <p:txBody>
+          <a:bodyPr wrap="none" lIns="90000" tIns="45000" rIns="90000" bIns="45000" anchor="ctr">
+            <a:noAutofit/>
+          </a:bodyPr>
+          <a:lstStyle/>
+          <a:p>
+            <a:pPr algn="ctr">
+              <a:lnSpc>
+                <a:spcPct val="100000"/>
+              </a:lnSpc>
+            </a:pPr>
+            <a:r>
+              <a:rPr lang="ru-RU" spc="-1" dirty="0">
+                <a:solidFill>
+                  <a:srgbClr val="000000"/>
+                </a:solidFill>
+                <a:latin typeface="Calibri"/>
+                <a:ea typeface="DejaVu Sans"/>
+              </a:rPr>
+              <a:t>Унарные операции:</a:t>
+            </a:r>
+            <a:endParaRPr lang="ru-RU" spc="-1" dirty="0">
+              <a:latin typeface="Arial"/>
+            </a:endParaRPr>
+          </a:p>
+          <a:p>
+            <a:pPr algn="ctr">
+              <a:lnSpc>
+                <a:spcPct val="100000"/>
+              </a:lnSpc>
+            </a:pPr>
+            <a:endParaRPr lang="ru-RU" spc="-1" dirty="0">
+              <a:latin typeface="Arial"/>
+            </a:endParaRPr>
+          </a:p>
+          <a:p>
+            <a:pPr algn="just">
+              <a:lnSpc>
+                <a:spcPct val="100000"/>
+              </a:lnSpc>
+            </a:pPr>
+            <a:r>
+              <a:rPr lang="ru-RU" spc="-1" dirty="0">
+                <a:solidFill>
+                  <a:srgbClr val="000000"/>
+                </a:solidFill>
+                <a:latin typeface="Calibri"/>
+                <a:ea typeface="DejaVu Sans"/>
+              </a:rPr>
+              <a:t> ++ (инкремент)</a:t>
+            </a:r>
+            <a:endParaRPr lang="ru-RU" spc="-1" dirty="0">
+              <a:latin typeface="Arial"/>
+            </a:endParaRPr>
+          </a:p>
+          <a:p>
+            <a:pPr algn="just">
+              <a:lnSpc>
+                <a:spcPct val="100000"/>
+              </a:lnSpc>
+            </a:pPr>
+            <a:r>
+              <a:rPr lang="ru-RU" spc="-1" dirty="0">
+                <a:solidFill>
+                  <a:srgbClr val="000000"/>
+                </a:solidFill>
+                <a:latin typeface="Calibri"/>
+                <a:ea typeface="DejaVu Sans"/>
+              </a:rPr>
+              <a:t> -- (декремент)</a:t>
+            </a:r>
+            <a:endParaRPr lang="ru-RU" spc="-1" dirty="0">
+              <a:latin typeface="Arial"/>
+            </a:endParaRPr>
+          </a:p>
+        </p:txBody>
+      </p:sp>
+      <p:sp>
+        <p:nvSpPr>
+          <p:cNvPr id="84" name="CustomShape 3"/>
+          <p:cNvSpPr/>
+          <p:nvPr/>
+        </p:nvSpPr>
+        <p:spPr>
+          <a:xfrm>
+            <a:off x="4692000" y="1584000"/>
+            <a:ext cx="3022560" cy="4894560"/>
+          </a:xfrm>
+          <a:prstGeom prst="rect">
+            <a:avLst/>
+          </a:prstGeom>
+          <a:solidFill>
+            <a:srgbClr val="729FCF"/>
+          </a:solidFill>
+          <a:ln>
+            <a:solidFill>
+              <a:srgbClr val="3465A4"/>
+            </a:solidFill>
+          </a:ln>
+        </p:spPr>
+        <p:style>
+          <a:lnRef idx="0">
+            <a:scrgbClr r="0" g="0" b="0"/>
+          </a:lnRef>
+          <a:fillRef idx="0">
+            <a:scrgbClr r="0" g="0" b="0"/>
+          </a:fillRef>
+          <a:effectRef idx="0">
+            <a:scrgbClr r="0" g="0" b="0"/>
+          </a:effectRef>
+          <a:fontRef idx="minor"/>
+        </p:style>
+        <p:txBody>
+          <a:bodyPr wrap="none" lIns="90000" tIns="45000" rIns="90000" bIns="45000" anchor="ctr">
+            <a:noAutofit/>
+          </a:bodyPr>
+          <a:lstStyle/>
+          <a:p>
+            <a:pPr algn="ctr">
+              <a:lnSpc>
+                <a:spcPct val="100000"/>
+              </a:lnSpc>
+            </a:pPr>
+            <a:r>
+              <a:rPr lang="ru-RU" spc="-1">
+                <a:solidFill>
+                  <a:srgbClr val="000000"/>
+                </a:solidFill>
+                <a:latin typeface="Calibri"/>
+                <a:ea typeface="DejaVu Sans"/>
+              </a:rPr>
+              <a:t>Бинарные операции:</a:t>
+            </a:r>
+            <a:endParaRPr lang="ru-RU" spc="-1">
+              <a:latin typeface="Arial"/>
+            </a:endParaRPr>
+          </a:p>
+          <a:p>
+            <a:pPr algn="ctr">
+              <a:lnSpc>
+                <a:spcPct val="100000"/>
+              </a:lnSpc>
+            </a:pPr>
+            <a:endParaRPr lang="ru-RU" spc="-1">
+              <a:latin typeface="Arial"/>
+            </a:endParaRPr>
+          </a:p>
+          <a:p>
+            <a:pPr algn="just">
+              <a:lnSpc>
+                <a:spcPct val="100000"/>
+              </a:lnSpc>
+            </a:pPr>
+            <a:r>
+              <a:rPr lang="ru-RU" spc="-1">
+                <a:solidFill>
+                  <a:srgbClr val="000000"/>
+                </a:solidFill>
+                <a:latin typeface="Calibri"/>
+                <a:ea typeface="DejaVu Sans"/>
+              </a:rPr>
+              <a:t>вычитание («-»)</a:t>
+            </a:r>
+            <a:endParaRPr lang="ru-RU" spc="-1">
+              <a:latin typeface="Arial"/>
+            </a:endParaRPr>
+          </a:p>
+          <a:p>
+            <a:pPr algn="just">
+              <a:lnSpc>
+                <a:spcPct val="100000"/>
+              </a:lnSpc>
+            </a:pPr>
+            <a:r>
+              <a:rPr lang="ru-RU" spc="-1">
+                <a:solidFill>
+                  <a:srgbClr val="000000"/>
+                </a:solidFill>
+                <a:latin typeface="Calibri"/>
+                <a:ea typeface="DejaVu Sans"/>
+              </a:rPr>
+              <a:t>сложение («+»)</a:t>
+            </a:r>
+            <a:endParaRPr lang="ru-RU" spc="-1">
+              <a:latin typeface="Arial"/>
+            </a:endParaRPr>
+          </a:p>
+          <a:p>
+            <a:pPr algn="just">
+              <a:lnSpc>
+                <a:spcPct val="100000"/>
+              </a:lnSpc>
+            </a:pPr>
+            <a:r>
+              <a:rPr lang="ru-RU" spc="-1">
+                <a:solidFill>
+                  <a:srgbClr val="000000"/>
+                </a:solidFill>
+                <a:latin typeface="Calibri"/>
+                <a:ea typeface="DejaVu Sans"/>
+              </a:rPr>
+              <a:t>умножение («*»)</a:t>
+            </a:r>
+            <a:endParaRPr lang="ru-RU" spc="-1">
+              <a:latin typeface="Arial"/>
+            </a:endParaRPr>
+          </a:p>
+          <a:p>
+            <a:pPr algn="just">
+              <a:lnSpc>
+                <a:spcPct val="100000"/>
+              </a:lnSpc>
+            </a:pPr>
+            <a:r>
+              <a:rPr lang="ru-RU" spc="-1">
+                <a:solidFill>
+                  <a:srgbClr val="000000"/>
+                </a:solidFill>
+                <a:latin typeface="Calibri"/>
+                <a:ea typeface="DejaVu Sans"/>
+              </a:rPr>
+              <a:t>деление («/»)</a:t>
+            </a:r>
+            <a:endParaRPr lang="ru-RU" spc="-1">
+              <a:latin typeface="Arial"/>
+            </a:endParaRPr>
+          </a:p>
+          <a:p>
+            <a:pPr algn="just">
+              <a:lnSpc>
+                <a:spcPct val="100000"/>
+              </a:lnSpc>
+            </a:pPr>
+            <a:r>
+              <a:rPr lang="ru-RU" spc="-1">
+                <a:solidFill>
+                  <a:srgbClr val="000000"/>
+                </a:solidFill>
+                <a:latin typeface="Calibri"/>
+                <a:ea typeface="DejaVu Sans"/>
+              </a:rPr>
+              <a:t>остаток от деления («%»)</a:t>
+            </a:r>
+            <a:endParaRPr lang="ru-RU" spc="-1">
+              <a:latin typeface="Arial"/>
+            </a:endParaRPr>
+          </a:p>
+          <a:p>
+            <a:pPr algn="just">
+              <a:lnSpc>
+                <a:spcPct val="100000"/>
+              </a:lnSpc>
+            </a:pPr>
+            <a:endParaRPr lang="ru-RU" spc="-1">
+              <a:latin typeface="Arial"/>
+            </a:endParaRPr>
+          </a:p>
+          <a:p>
+            <a:pPr algn="just">
+              <a:lnSpc>
+                <a:spcPct val="100000"/>
+              </a:lnSpc>
+            </a:pPr>
+            <a:r>
+              <a:rPr lang="ru-RU" spc="-1">
+                <a:solidFill>
+                  <a:srgbClr val="000000"/>
+                </a:solidFill>
+                <a:latin typeface="Calibri"/>
+                <a:ea typeface="DejaVu Sans"/>
+              </a:rPr>
+              <a:t>int a = 10;</a:t>
+            </a:r>
+            <a:endParaRPr lang="ru-RU" spc="-1">
+              <a:latin typeface="Arial"/>
+            </a:endParaRPr>
+          </a:p>
+          <a:p>
+            <a:pPr algn="just">
+              <a:lnSpc>
+                <a:spcPct val="100000"/>
+              </a:lnSpc>
+            </a:pPr>
+            <a:r>
+              <a:rPr lang="ru-RU" spc="-1">
+                <a:solidFill>
+                  <a:srgbClr val="000000"/>
+                </a:solidFill>
+                <a:latin typeface="Calibri"/>
+                <a:ea typeface="DejaVu Sans"/>
+              </a:rPr>
+              <a:t>int b = 7;</a:t>
+            </a:r>
+            <a:endParaRPr lang="ru-RU" spc="-1">
+              <a:latin typeface="Arial"/>
+            </a:endParaRPr>
+          </a:p>
+          <a:p>
+            <a:pPr algn="just">
+              <a:lnSpc>
+                <a:spcPct val="100000"/>
+              </a:lnSpc>
+            </a:pPr>
+            <a:r>
+              <a:rPr lang="ru-RU" spc="-1">
+                <a:solidFill>
+                  <a:srgbClr val="000000"/>
+                </a:solidFill>
+                <a:latin typeface="Calibri"/>
+                <a:ea typeface="DejaVu Sans"/>
+              </a:rPr>
+              <a:t>int c = a + b;                  // 17</a:t>
+            </a:r>
+            <a:endParaRPr lang="ru-RU" spc="-1">
+              <a:latin typeface="Arial"/>
+            </a:endParaRPr>
+          </a:p>
+          <a:p>
+            <a:pPr algn="just">
+              <a:lnSpc>
+                <a:spcPct val="100000"/>
+              </a:lnSpc>
+            </a:pPr>
+            <a:r>
+              <a:rPr lang="ru-RU" spc="-1">
+                <a:solidFill>
+                  <a:srgbClr val="000000"/>
+                </a:solidFill>
+                <a:latin typeface="Calibri"/>
+                <a:ea typeface="DejaVu Sans"/>
+              </a:rPr>
+              <a:t>int d = 4 – a;                  // -6 </a:t>
+            </a:r>
+            <a:endParaRPr lang="ru-RU" spc="-1">
+              <a:latin typeface="Arial"/>
+            </a:endParaRPr>
+          </a:p>
+          <a:p>
+            <a:pPr algn="just">
+              <a:lnSpc>
+                <a:spcPct val="100000"/>
+              </a:lnSpc>
+            </a:pPr>
+            <a:r>
+              <a:rPr lang="ru-RU" spc="-1">
+                <a:solidFill>
+                  <a:srgbClr val="000000"/>
+                </a:solidFill>
+                <a:latin typeface="Calibri"/>
+                <a:ea typeface="DejaVu Sans"/>
+              </a:rPr>
+              <a:t>int k = b * 5;                  // 35</a:t>
+            </a:r>
+            <a:endParaRPr lang="ru-RU" spc="-1">
+              <a:latin typeface="Arial"/>
+            </a:endParaRPr>
+          </a:p>
+          <a:p>
+            <a:pPr algn="just">
+              <a:lnSpc>
+                <a:spcPct val="100000"/>
+              </a:lnSpc>
+            </a:pPr>
+            <a:r>
+              <a:rPr lang="ru-RU" spc="-1">
+                <a:solidFill>
+                  <a:srgbClr val="000000"/>
+                </a:solidFill>
+                <a:latin typeface="Calibri"/>
+                <a:ea typeface="DejaVu Sans"/>
+              </a:rPr>
+              <a:t>int i = a / b;                   // 1</a:t>
+            </a:r>
+            <a:endParaRPr lang="ru-RU" spc="-1">
+              <a:latin typeface="Arial"/>
+            </a:endParaRPr>
+          </a:p>
+          <a:p>
+            <a:pPr algn="just">
+              <a:lnSpc>
+                <a:spcPct val="100000"/>
+              </a:lnSpc>
+            </a:pPr>
+            <a:endParaRPr lang="ru-RU" spc="-1">
+              <a:latin typeface="Arial"/>
+            </a:endParaRPr>
+          </a:p>
+          <a:p>
+            <a:pPr algn="just">
+              <a:lnSpc>
+                <a:spcPct val="100000"/>
+              </a:lnSpc>
+            </a:pPr>
+            <a:r>
+              <a:rPr lang="ru-RU" spc="-1">
+                <a:solidFill>
+                  <a:srgbClr val="000000"/>
+                </a:solidFill>
+                <a:latin typeface="Calibri"/>
+                <a:ea typeface="DejaVu Sans"/>
+              </a:rPr>
+              <a:t>double k = 10.0 / 4;    // 2.5 </a:t>
+            </a:r>
+            <a:endParaRPr lang="ru-RU" spc="-1">
+              <a:latin typeface="Arial"/>
+            </a:endParaRPr>
+          </a:p>
+          <a:p>
+            <a:pPr algn="just">
+              <a:lnSpc>
+                <a:spcPct val="100000"/>
+              </a:lnSpc>
+            </a:pPr>
+            <a:r>
+              <a:rPr lang="ru-RU" spc="-1">
+                <a:solidFill>
+                  <a:srgbClr val="000000"/>
+                </a:solidFill>
+                <a:latin typeface="Calibri"/>
+                <a:ea typeface="DejaVu Sans"/>
+              </a:rPr>
+              <a:t>int j = a % b;                // 3</a:t>
+            </a:r>
+            <a:endParaRPr lang="ru-RU" spc="-1">
+              <a:latin typeface="Arial"/>
+            </a:endParaRPr>
+          </a:p>
+        </p:txBody>
+      </p:sp>
+      <p:sp>
+        <p:nvSpPr>
+          <p:cNvPr id="85" name="CustomShape 4"/>
+          <p:cNvSpPr/>
+          <p:nvPr/>
+        </p:nvSpPr>
+        <p:spPr>
+          <a:xfrm>
+            <a:off x="8220000" y="1584000"/>
+            <a:ext cx="2158200" cy="574200"/>
+          </a:xfrm>
+          <a:prstGeom prst="rect">
+            <a:avLst/>
+          </a:prstGeom>
+          <a:solidFill>
+            <a:srgbClr val="729FCF"/>
+          </a:solidFill>
+          <a:ln>
+            <a:solidFill>
+              <a:srgbClr val="3465A4"/>
+            </a:solidFill>
+          </a:ln>
+        </p:spPr>
+        <p:style>
+          <a:lnRef idx="0">
+            <a:scrgbClr r="0" g="0" b="0"/>
+          </a:lnRef>
+          <a:fillRef idx="0">
+            <a:scrgbClr r="0" g="0" b="0"/>
+          </a:fillRef>
+          <a:effectRef idx="0">
+            <a:scrgbClr r="0" g="0" b="0"/>
+          </a:effectRef>
+          <a:fontRef idx="minor"/>
+        </p:style>
+        <p:txBody>
+          <a:bodyPr wrap="none" lIns="90000" tIns="45000" rIns="90000" bIns="45000" anchor="ctr">
+            <a:noAutofit/>
+          </a:bodyPr>
+          <a:lstStyle/>
+          <a:p>
+            <a:pPr algn="ctr">
+              <a:lnSpc>
+                <a:spcPct val="100000"/>
+              </a:lnSpc>
+            </a:pPr>
+            <a:r>
+              <a:rPr lang="ru-RU" spc="-1">
+                <a:solidFill>
+                  <a:srgbClr val="000000"/>
+                </a:solidFill>
+                <a:latin typeface="Calibri"/>
+                <a:ea typeface="DejaVu Sans"/>
+              </a:rPr>
+              <a:t>Тернарные</a:t>
+            </a:r>
+            <a:endParaRPr lang="ru-RU" spc="-1">
+              <a:latin typeface="Arial"/>
+            </a:endParaRPr>
+          </a:p>
+        </p:txBody>
+      </p:sp>
+      <p:sp>
+        <p:nvSpPr>
+          <p:cNvPr id="86" name="CustomShape 5"/>
+          <p:cNvSpPr/>
+          <p:nvPr/>
+        </p:nvSpPr>
+        <p:spPr>
+          <a:xfrm>
+            <a:off x="2028000" y="3096000"/>
+            <a:ext cx="2014560" cy="1654560"/>
+          </a:xfrm>
+          <a:prstGeom prst="rect">
+            <a:avLst/>
+          </a:prstGeom>
+          <a:solidFill>
+            <a:srgbClr val="729FCF"/>
+          </a:solidFill>
+          <a:ln>
+            <a:solidFill>
+              <a:srgbClr val="3465A4"/>
+            </a:solidFill>
+          </a:ln>
+        </p:spPr>
+        <p:style>
+          <a:lnRef idx="0">
+            <a:scrgbClr r="0" g="0" b="0"/>
+          </a:lnRef>
+          <a:fillRef idx="0">
+            <a:scrgbClr r="0" g="0" b="0"/>
+          </a:fillRef>
+          <a:effectRef idx="0">
+            <a:scrgbClr r="0" g="0" b="0"/>
+          </a:effectRef>
+          <a:fontRef idx="minor"/>
+        </p:style>
+        <p:txBody>
+          <a:bodyPr wrap="none" lIns="90000" tIns="45000" rIns="90000" bIns="45000" anchor="ctr">
+            <a:noAutofit/>
+          </a:bodyPr>
+          <a:lstStyle/>
+          <a:p>
+            <a:pPr algn="ctr">
+              <a:lnSpc>
+                <a:spcPct val="100000"/>
+              </a:lnSpc>
+            </a:pPr>
+            <a:r>
+              <a:rPr lang="ru-RU" spc="-1">
+                <a:solidFill>
+                  <a:srgbClr val="000000"/>
+                </a:solidFill>
+                <a:latin typeface="Calibri"/>
+                <a:ea typeface="DejaVu Sans"/>
+              </a:rPr>
+              <a:t>Префиксные</a:t>
+            </a:r>
+            <a:endParaRPr lang="ru-RU" spc="-1">
+              <a:latin typeface="Arial"/>
+            </a:endParaRPr>
+          </a:p>
+          <a:p>
+            <a:pPr algn="ctr">
+              <a:lnSpc>
+                <a:spcPct val="100000"/>
+              </a:lnSpc>
+            </a:pPr>
+            <a:r>
+              <a:rPr lang="ru-RU" spc="-1">
+                <a:solidFill>
+                  <a:srgbClr val="000000"/>
+                </a:solidFill>
+                <a:latin typeface="Calibri"/>
+                <a:ea typeface="DejaVu Sans"/>
+              </a:rPr>
+              <a:t> операции:</a:t>
+            </a:r>
+            <a:endParaRPr lang="ru-RU" spc="-1">
+              <a:latin typeface="Arial"/>
+            </a:endParaRPr>
+          </a:p>
+          <a:p>
+            <a:pPr algn="ctr">
+              <a:lnSpc>
+                <a:spcPct val="100000"/>
+              </a:lnSpc>
+            </a:pPr>
+            <a:endParaRPr lang="ru-RU" spc="-1">
+              <a:latin typeface="Arial"/>
+            </a:endParaRPr>
+          </a:p>
+          <a:p>
+            <a:pPr algn="just">
+              <a:lnSpc>
+                <a:spcPct val="100000"/>
+              </a:lnSpc>
+            </a:pPr>
+            <a:r>
+              <a:rPr lang="ru-RU" spc="-1">
+                <a:solidFill>
+                  <a:srgbClr val="000000"/>
+                </a:solidFill>
+                <a:latin typeface="Calibri"/>
+                <a:ea typeface="DejaVu Sans"/>
+              </a:rPr>
+              <a:t>int a = 8;</a:t>
+            </a:r>
+            <a:endParaRPr lang="ru-RU" spc="-1">
+              <a:latin typeface="Arial"/>
+            </a:endParaRPr>
+          </a:p>
+          <a:p>
+            <a:pPr algn="just">
+              <a:lnSpc>
+                <a:spcPct val="100000"/>
+              </a:lnSpc>
+            </a:pPr>
+            <a:r>
+              <a:rPr lang="ru-RU" spc="-1">
+                <a:solidFill>
+                  <a:srgbClr val="000000"/>
+                </a:solidFill>
+                <a:latin typeface="Calibri"/>
+                <a:ea typeface="Microsoft YaHei"/>
+              </a:rPr>
+              <a:t>int </a:t>
+            </a:r>
+            <a:r>
+              <a:rPr lang="ru-RU" spc="-1">
+                <a:solidFill>
+                  <a:srgbClr val="000000"/>
+                </a:solidFill>
+                <a:latin typeface="Calibri"/>
+                <a:ea typeface="DejaVu Sans"/>
+              </a:rPr>
+              <a:t>prefI = ++a;  //9</a:t>
+            </a:r>
+            <a:endParaRPr lang="ru-RU" spc="-1">
+              <a:latin typeface="Arial"/>
+            </a:endParaRPr>
+          </a:p>
+          <a:p>
+            <a:pPr algn="just">
+              <a:lnSpc>
+                <a:spcPct val="100000"/>
+              </a:lnSpc>
+            </a:pPr>
+            <a:r>
+              <a:rPr lang="ru-RU" spc="-1">
+                <a:solidFill>
+                  <a:srgbClr val="000000"/>
+                </a:solidFill>
+                <a:latin typeface="Calibri"/>
+                <a:ea typeface="Microsoft YaHei"/>
+              </a:rPr>
+              <a:t>int </a:t>
+            </a:r>
+            <a:r>
+              <a:rPr lang="ru-RU" spc="-1">
+                <a:solidFill>
+                  <a:srgbClr val="000000"/>
+                </a:solidFill>
+                <a:latin typeface="Calibri"/>
+                <a:ea typeface="DejaVu Sans"/>
+              </a:rPr>
+              <a:t>prefD = --a;  //8</a:t>
+            </a:r>
+            <a:endParaRPr lang="ru-RU" spc="-1">
+              <a:latin typeface="Arial"/>
+            </a:endParaRPr>
+          </a:p>
+        </p:txBody>
+      </p:sp>
+      <p:sp>
+        <p:nvSpPr>
+          <p:cNvPr id="87" name="CustomShape 6"/>
+          <p:cNvSpPr/>
+          <p:nvPr/>
+        </p:nvSpPr>
+        <p:spPr>
+          <a:xfrm>
+            <a:off x="2028000" y="4968000"/>
+            <a:ext cx="2014560" cy="1654200"/>
+          </a:xfrm>
+          <a:prstGeom prst="rect">
+            <a:avLst/>
+          </a:prstGeom>
+          <a:solidFill>
+            <a:srgbClr val="729FCF"/>
+          </a:solidFill>
+          <a:ln>
+            <a:solidFill>
+              <a:srgbClr val="3465A4"/>
+            </a:solidFill>
+          </a:ln>
+        </p:spPr>
+        <p:style>
+          <a:lnRef idx="0">
+            <a:scrgbClr r="0" g="0" b="0"/>
+          </a:lnRef>
+          <a:fillRef idx="0">
+            <a:scrgbClr r="0" g="0" b="0"/>
+          </a:fillRef>
+          <a:effectRef idx="0">
+            <a:scrgbClr r="0" g="0" b="0"/>
+          </a:effectRef>
+          <a:fontRef idx="minor"/>
+        </p:style>
+        <p:txBody>
+          <a:bodyPr wrap="none" lIns="90000" tIns="45000" rIns="90000" bIns="45000" anchor="ctr">
+            <a:noAutofit/>
+          </a:bodyPr>
+          <a:lstStyle/>
+          <a:p>
+            <a:pPr algn="ctr">
+              <a:lnSpc>
+                <a:spcPct val="100000"/>
+              </a:lnSpc>
+            </a:pPr>
+            <a:r>
+              <a:rPr lang="ru-RU" spc="-1">
+                <a:solidFill>
+                  <a:srgbClr val="000000"/>
+                </a:solidFill>
+                <a:latin typeface="Calibri"/>
+                <a:ea typeface="DejaVu Sans"/>
+              </a:rPr>
+              <a:t>Постфиксные</a:t>
+            </a:r>
+            <a:endParaRPr lang="ru-RU" spc="-1">
+              <a:latin typeface="Arial"/>
+            </a:endParaRPr>
+          </a:p>
+          <a:p>
+            <a:pPr algn="ctr">
+              <a:lnSpc>
+                <a:spcPct val="100000"/>
+              </a:lnSpc>
+            </a:pPr>
+            <a:r>
+              <a:rPr lang="ru-RU" spc="-1">
+                <a:solidFill>
+                  <a:srgbClr val="000000"/>
+                </a:solidFill>
+                <a:latin typeface="Calibri"/>
+                <a:ea typeface="DejaVu Sans"/>
+              </a:rPr>
+              <a:t> операции:</a:t>
+            </a:r>
+            <a:endParaRPr lang="ru-RU" spc="-1">
+              <a:latin typeface="Arial"/>
+            </a:endParaRPr>
+          </a:p>
+          <a:p>
+            <a:pPr algn="ctr">
+              <a:lnSpc>
+                <a:spcPct val="100000"/>
+              </a:lnSpc>
+            </a:pPr>
+            <a:endParaRPr lang="ru-RU" spc="-1">
+              <a:latin typeface="Arial"/>
+            </a:endParaRPr>
+          </a:p>
+          <a:p>
+            <a:pPr algn="just">
+              <a:lnSpc>
+                <a:spcPct val="100000"/>
+              </a:lnSpc>
+            </a:pPr>
+            <a:r>
+              <a:rPr lang="ru-RU" spc="-1">
+                <a:solidFill>
+                  <a:srgbClr val="000000"/>
+                </a:solidFill>
+                <a:latin typeface="Calibri"/>
+                <a:ea typeface="DejaVu Sans"/>
+              </a:rPr>
+              <a:t>int a = 8;</a:t>
+            </a:r>
+            <a:endParaRPr lang="ru-RU" spc="-1">
+              <a:latin typeface="Arial"/>
+            </a:endParaRPr>
+          </a:p>
+          <a:p>
+            <a:pPr algn="just">
+              <a:lnSpc>
+                <a:spcPct val="100000"/>
+              </a:lnSpc>
+            </a:pPr>
+            <a:r>
+              <a:rPr lang="ru-RU" spc="-1">
+                <a:solidFill>
+                  <a:srgbClr val="000000"/>
+                </a:solidFill>
+                <a:latin typeface="Calibri"/>
+                <a:ea typeface="DejaVu Sans"/>
+              </a:rPr>
+              <a:t>int postI = a++;  //8</a:t>
+            </a:r>
+            <a:endParaRPr lang="ru-RU" spc="-1">
+              <a:latin typeface="Arial"/>
+            </a:endParaRPr>
+          </a:p>
+          <a:p>
+            <a:pPr algn="just">
+              <a:lnSpc>
+                <a:spcPct val="100000"/>
+              </a:lnSpc>
+            </a:pPr>
+            <a:r>
+              <a:rPr lang="ru-RU" spc="-1">
+                <a:solidFill>
+                  <a:srgbClr val="000000"/>
+                </a:solidFill>
+                <a:latin typeface="Calibri"/>
+                <a:ea typeface="DejaVu Sans"/>
+              </a:rPr>
+              <a:t>int postD = a--;  //9</a:t>
+            </a:r>
+            <a:endParaRPr lang="ru-RU" spc="-1">
+              <a:latin typeface="Arial"/>
+            </a:endParaRPr>
+          </a:p>
+        </p:txBody>
+      </p:sp>
+      <p:sp>
+        <p:nvSpPr>
+          <p:cNvPr id="88" name="Line 7"/>
+          <p:cNvSpPr/>
+          <p:nvPr/>
+        </p:nvSpPr>
+        <p:spPr>
+          <a:xfrm flipH="1">
+            <a:off x="3396000" y="936000"/>
+            <a:ext cx="504000" cy="648000"/>
+          </a:xfrm>
+          <a:prstGeom prst="line">
+            <a:avLst/>
+          </a:prstGeom>
+          <a:ln>
+            <a:solidFill>
+              <a:srgbClr val="3465A4"/>
+            </a:solidFill>
+            <a:tailEnd type="triangle" w="med" len="med"/>
+          </a:ln>
+        </p:spPr>
+        <p:style>
+          <a:lnRef idx="0">
+            <a:scrgbClr r="0" g="0" b="0"/>
+          </a:lnRef>
+          <a:fillRef idx="0">
+            <a:scrgbClr r="0" g="0" b="0"/>
+          </a:fillRef>
+          <a:effectRef idx="0">
+            <a:scrgbClr r="0" g="0" b="0"/>
+          </a:effectRef>
+          <a:fontRef idx="minor"/>
+        </p:style>
+      </p:sp>
+      <p:sp>
+        <p:nvSpPr>
+          <p:cNvPr id="89" name="Line 8"/>
+          <p:cNvSpPr/>
+          <p:nvPr/>
+        </p:nvSpPr>
+        <p:spPr>
+          <a:xfrm>
+            <a:off x="5988000" y="1008000"/>
+            <a:ext cx="0" cy="576000"/>
+          </a:xfrm>
+          <a:prstGeom prst="line">
+            <a:avLst/>
+          </a:prstGeom>
+          <a:ln>
+            <a:solidFill>
+              <a:srgbClr val="3465A4"/>
+            </a:solidFill>
+            <a:tailEnd type="triangle" w="med" len="med"/>
+          </a:ln>
+        </p:spPr>
+        <p:style>
+          <a:lnRef idx="0">
+            <a:scrgbClr r="0" g="0" b="0"/>
+          </a:lnRef>
+          <a:fillRef idx="0">
+            <a:scrgbClr r="0" g="0" b="0"/>
+          </a:fillRef>
+          <a:effectRef idx="0">
+            <a:scrgbClr r="0" g="0" b="0"/>
+          </a:effectRef>
+          <a:fontRef idx="minor"/>
+        </p:style>
+      </p:sp>
+      <p:sp>
+        <p:nvSpPr>
+          <p:cNvPr id="90" name="Line 9"/>
+          <p:cNvSpPr/>
+          <p:nvPr/>
+        </p:nvSpPr>
+        <p:spPr>
+          <a:xfrm>
+            <a:off x="8148000" y="936000"/>
+            <a:ext cx="720000" cy="648000"/>
+          </a:xfrm>
+          <a:prstGeom prst="line">
+            <a:avLst/>
+          </a:prstGeom>
+          <a:ln>
+            <a:solidFill>
+              <a:srgbClr val="3465A4"/>
+            </a:solidFill>
+            <a:tailEnd type="triangle" w="med" len="med"/>
+          </a:ln>
+        </p:spPr>
+        <p:style>
+          <a:lnRef idx="0">
+            <a:scrgbClr r="0" g="0" b="0"/>
+          </a:lnRef>
+          <a:fillRef idx="0">
+            <a:scrgbClr r="0" g="0" b="0"/>
+          </a:fillRef>
+          <a:effectRef idx="0">
+            <a:scrgbClr r="0" g="0" b="0"/>
+          </a:effectRef>
+          <a:fontRef idx="minor"/>
+        </p:style>
+      </p:sp>
+    </p:spTree>
+  </p:cSld>
+  <p:clrMapOvr>
+    <a:masterClrMapping/>
+  </p:clrMapOvr>
+</p:sld>
+</file>
+
+<file path=ppt/slides/slide11.xml><?xml version="1.0" encoding="utf-8"?>
+<p:sld xmlns:a="http://schemas.openxmlformats.org/drawingml/2006/main" xmlns:r="http://schemas.openxmlformats.org/officeDocument/2006/relationships" xmlns:p="http://schemas.openxmlformats.org/presentationml/2006/main">
+  <p:cSld>
+    <p:spTree>
+      <p:nvGrpSpPr>
+        <p:cNvPr id="1" name=""/>
+        <p:cNvGrpSpPr/>
+        <p:nvPr/>
+      </p:nvGrpSpPr>
+      <p:grpSpPr>
+        <a:xfrm>
+          <a:off x="0" y="0"/>
+          <a:ext cx="0" cy="0"/>
+          <a:chOff x="0" y="0"/>
+          <a:chExt cx="0" cy="0"/>
+        </a:xfrm>
+      </p:grpSpPr>
+      <p:sp>
+        <p:nvSpPr>
           <p:cNvPr id="108" name="CustomShape 1"/>
           <p:cNvSpPr/>
           <p:nvPr/>
@@ -14422,7 +15459,7 @@
 </p:sld>
 </file>
 
-<file path=ppt/slides/slide11.xml><?xml version="1.0" encoding="utf-8"?>
+<file path=ppt/slides/slide12.xml><?xml version="1.0" encoding="utf-8"?>
 <p:sld xmlns:a="http://schemas.openxmlformats.org/drawingml/2006/main" xmlns:r="http://schemas.openxmlformats.org/officeDocument/2006/relationships" xmlns:p="http://schemas.openxmlformats.org/presentationml/2006/main">
   <p:cSld>
     <p:spTree>
@@ -14933,7 +15970,7 @@
 </p:sld>
 </file>
 
-<file path=ppt/slides/slide12.xml><?xml version="1.0" encoding="utf-8"?>
+<file path=ppt/slides/slide13.xml><?xml version="1.0" encoding="utf-8"?>
 <p:sld xmlns:a="http://schemas.openxmlformats.org/drawingml/2006/main" xmlns:r="http://schemas.openxmlformats.org/officeDocument/2006/relationships" xmlns:p="http://schemas.openxmlformats.org/presentationml/2006/main">
   <p:cSld>
     <p:spTree>
@@ -15211,7 +16248,7 @@
 </p:sld>
 </file>
 
-<file path=ppt/slides/slide13.xml><?xml version="1.0" encoding="utf-8"?>
+<file path=ppt/slides/slide14.xml><?xml version="1.0" encoding="utf-8"?>
 <p:sld xmlns:a="http://schemas.openxmlformats.org/drawingml/2006/main" xmlns:r="http://schemas.openxmlformats.org/officeDocument/2006/relationships" xmlns:p="http://schemas.openxmlformats.org/presentationml/2006/main">
   <p:cSld>
     <p:spTree>
@@ -15432,7 +16469,7 @@
 </p:sld>
 </file>
 
-<file path=ppt/slides/slide14.xml><?xml version="1.0" encoding="utf-8"?>
+<file path=ppt/slides/slide15.xml><?xml version="1.0" encoding="utf-8"?>
 <p:sld xmlns:a="http://schemas.openxmlformats.org/drawingml/2006/main" xmlns:r="http://schemas.openxmlformats.org/officeDocument/2006/relationships" xmlns:p="http://schemas.openxmlformats.org/presentationml/2006/main">
   <p:cSld>
     <p:spTree>
@@ -15451,199 +16488,274 @@
       </p:grpSpPr>
       <p:sp>
         <p:nvSpPr>
-          <p:cNvPr id="108" name="CustomShape 1"/>
-          <p:cNvSpPr/>
-          <p:nvPr/>
+          <p:cNvPr id="5" name="Заголовок 1">
+            <a:extLst>
+              <a:ext uri="{FF2B5EF4-FFF2-40B4-BE49-F238E27FC236}">
+                <a16:creationId xmlns:a16="http://schemas.microsoft.com/office/drawing/2014/main" id="{0AE9A5B2-4DA6-4505-916C-20351ECFD07D}"/>
+              </a:ext>
+            </a:extLst>
+          </p:cNvPr>
+          <p:cNvSpPr>
+            <a:spLocks noGrp="1"/>
+          </p:cNvSpPr>
+          <p:nvPr>
+            <p:ph type="title"/>
+          </p:nvPr>
         </p:nvSpPr>
         <p:spPr>
           <a:xfrm>
-            <a:off x="1320132" y="776974"/>
-            <a:ext cx="7882920" cy="759240"/>
+            <a:off x="2172217" y="772358"/>
+            <a:ext cx="7167734" cy="1020417"/>
+          </a:xfrm>
+        </p:spPr>
+        <p:txBody>
+          <a:bodyPr>
+            <a:normAutofit/>
+          </a:bodyPr>
+          <a:lstStyle/>
+          <a:p>
+            <a:pPr algn="ctr"/>
+            <a:r>
+              <a:rPr lang="ru-RU" sz="2800" dirty="0">
+                <a:solidFill>
+                  <a:srgbClr val="729F11"/>
+                </a:solidFill>
+                <a:latin typeface="Segoe Print" panose="02000600000000000000" pitchFamily="2" charset="0"/>
+              </a:rPr>
+              <a:t>Задание</a:t>
+            </a:r>
+          </a:p>
+        </p:txBody>
+      </p:sp>
+      <p:sp>
+        <p:nvSpPr>
+          <p:cNvPr id="2" name="TextBox 1">
+            <a:extLst>
+              <a:ext uri="{FF2B5EF4-FFF2-40B4-BE49-F238E27FC236}">
+                <a16:creationId xmlns:a16="http://schemas.microsoft.com/office/drawing/2014/main" id="{C0199565-5ECA-43CD-9C4D-872E96BA3C9C}"/>
+              </a:ext>
+            </a:extLst>
+          </p:cNvPr>
+          <p:cNvSpPr txBox="1"/>
+          <p:nvPr/>
+        </p:nvSpPr>
+        <p:spPr>
+          <a:xfrm>
+            <a:off x="2649435" y="2388548"/>
+            <a:ext cx="7167734" cy="4154984"/>
           </a:xfrm>
           <a:prstGeom prst="rect">
             <a:avLst/>
           </a:prstGeom>
           <a:noFill/>
-          <a:ln>
-            <a:noFill/>
-          </a:ln>
         </p:spPr>
-        <p:style>
-          <a:lnRef idx="0">
-            <a:scrgbClr r="0" g="0" b="0"/>
-          </a:lnRef>
-          <a:fillRef idx="0">
-            <a:scrgbClr r="0" g="0" b="0"/>
-          </a:fillRef>
-          <a:effectRef idx="0">
-            <a:scrgbClr r="0" g="0" b="0"/>
-          </a:effectRef>
-          <a:fontRef idx="minor"/>
-        </p:style>
         <p:txBody>
-          <a:bodyPr lIns="90000" tIns="45000" rIns="90000" bIns="45000" anchor="ctr">
+          <a:bodyPr wrap="square" rtlCol="0">
+            <a:spAutoFit/>
+          </a:bodyPr>
+          <a:lstStyle/>
+          <a:p>
+            <a:r>
+              <a:rPr lang="ru-RU" sz="2400" dirty="0"/>
+              <a:t>Создать приложение-прототип «Калькулятор»</a:t>
+            </a:r>
+          </a:p>
+          <a:p>
+            <a:endParaRPr lang="ru-RU" sz="2400" dirty="0"/>
+          </a:p>
+          <a:p>
+            <a:r>
+              <a:rPr lang="ru-RU" sz="2400" dirty="0"/>
+              <a:t>1 Приложение содержит три поля:</a:t>
+            </a:r>
+          </a:p>
+          <a:p>
+            <a:pPr marL="342900" indent="-342900">
+              <a:buFontTx/>
+              <a:buChar char="-"/>
+            </a:pPr>
+            <a:r>
+              <a:rPr lang="ru-RU" sz="2400" dirty="0"/>
+              <a:t>два поля для ввода исходных данных</a:t>
+            </a:r>
+          </a:p>
+          <a:p>
+            <a:pPr marL="342900" indent="-342900">
+              <a:buFontTx/>
+              <a:buChar char="-"/>
+            </a:pPr>
+            <a:r>
+              <a:rPr lang="ru-RU" sz="2400" dirty="0"/>
+              <a:t>одно поле для вывода результата </a:t>
+            </a:r>
+          </a:p>
+          <a:p>
+            <a:endParaRPr lang="ru-RU" sz="2400" dirty="0"/>
+          </a:p>
+          <a:p>
+            <a:r>
+              <a:rPr lang="ru-RU" sz="2400" dirty="0"/>
+              <a:t>2 Приложение содержит кнопку, по нажатии на которую происходит расчет суммы (или любого другого арифметического действия)</a:t>
+            </a:r>
+          </a:p>
+          <a:p>
+            <a:endParaRPr lang="ru-RU" sz="2400" dirty="0"/>
+          </a:p>
+          <a:p>
+            <a:r>
+              <a:rPr lang="ru-RU" sz="2400" dirty="0"/>
+              <a:t>3 Результат расчета выводится в третье поле</a:t>
+            </a:r>
+          </a:p>
+        </p:txBody>
+      </p:sp>
+    </p:spTree>
+    <p:extLst>
+      <p:ext uri="{BB962C8B-B14F-4D97-AF65-F5344CB8AC3E}">
+        <p14:creationId xmlns:p14="http://schemas.microsoft.com/office/powerpoint/2010/main" val="305512220"/>
+      </p:ext>
+    </p:extLst>
+  </p:cSld>
+  <p:clrMapOvr>
+    <a:masterClrMapping/>
+  </p:clrMapOvr>
+</p:sld>
+</file>
+
+<file path=ppt/slides/slide16.xml><?xml version="1.0" encoding="utf-8"?>
+<p:sld xmlns:a="http://schemas.openxmlformats.org/drawingml/2006/main" xmlns:r="http://schemas.openxmlformats.org/officeDocument/2006/relationships" xmlns:p="http://schemas.openxmlformats.org/presentationml/2006/main">
+  <p:cSld>
+    <p:spTree>
+      <p:nvGrpSpPr>
+        <p:cNvPr id="1" name=""/>
+        <p:cNvGrpSpPr/>
+        <p:nvPr/>
+      </p:nvGrpSpPr>
+      <p:grpSpPr>
+        <a:xfrm>
+          <a:off x="0" y="0"/>
+          <a:ext cx="0" cy="0"/>
+          <a:chOff x="0" y="0"/>
+          <a:chExt cx="0" cy="0"/>
+        </a:xfrm>
+      </p:grpSpPr>
+      <p:sp>
+        <p:nvSpPr>
+          <p:cNvPr id="5" name="Заголовок 1">
+            <a:extLst>
+              <a:ext uri="{FF2B5EF4-FFF2-40B4-BE49-F238E27FC236}">
+                <a16:creationId xmlns:a16="http://schemas.microsoft.com/office/drawing/2014/main" id="{0AE9A5B2-4DA6-4505-916C-20351ECFD07D}"/>
+              </a:ext>
+            </a:extLst>
+          </p:cNvPr>
+          <p:cNvSpPr>
+            <a:spLocks noGrp="1"/>
+          </p:cNvSpPr>
+          <p:nvPr>
+            <p:ph type="title"/>
+          </p:nvPr>
+        </p:nvSpPr>
+        <p:spPr>
+          <a:xfrm>
+            <a:off x="1987345" y="405674"/>
+            <a:ext cx="7167734" cy="1020417"/>
+          </a:xfrm>
+        </p:spPr>
+        <p:txBody>
+          <a:bodyPr>
             <a:normAutofit/>
           </a:bodyPr>
           <a:lstStyle/>
           <a:p>
-            <a:pPr algn="ctr">
-              <a:lnSpc>
-                <a:spcPct val="100000"/>
-              </a:lnSpc>
-            </a:pPr>
-            <a:r>
-              <a:rPr lang="ru-RU" sz="3200" b="1" cap="all" spc="-100" dirty="0">
-                <a:solidFill>
-                  <a:srgbClr val="7030A0"/>
+            <a:pPr algn="ctr"/>
+            <a:r>
+              <a:rPr lang="ru-RU" sz="2800" dirty="0">
+                <a:solidFill>
+                  <a:srgbClr val="729F11"/>
                 </a:solidFill>
                 <a:latin typeface="Segoe Print" panose="02000600000000000000" pitchFamily="2" charset="0"/>
               </a:rPr>
-              <a:t>Класс </a:t>
-            </a:r>
-            <a:r>
-              <a:rPr lang="en-US" sz="3200" b="1" cap="all" spc="-100" dirty="0">
-                <a:solidFill>
-                  <a:srgbClr val="7030A0"/>
-                </a:solidFill>
-                <a:latin typeface="Segoe Print" panose="02000600000000000000" pitchFamily="2" charset="0"/>
-              </a:rPr>
-              <a:t>m</a:t>
-            </a:r>
-            <a:r>
-              <a:rPr lang="en-US" sz="3200" b="1" spc="-100" dirty="0">
-                <a:solidFill>
-                  <a:srgbClr val="7030A0"/>
-                </a:solidFill>
-                <a:latin typeface="Segoe Print" panose="02000600000000000000" pitchFamily="2" charset="0"/>
-              </a:rPr>
-              <a:t>ath</a:t>
-            </a:r>
-            <a:endParaRPr lang="ru-RU" sz="3200" b="1" cap="all" spc="-100" dirty="0">
-              <a:solidFill>
-                <a:srgbClr val="7030A0"/>
-              </a:solidFill>
-              <a:latin typeface="Segoe Print" panose="02000600000000000000" pitchFamily="2" charset="0"/>
-            </a:endParaRPr>
+              <a:t>Задание</a:t>
+            </a:r>
           </a:p>
         </p:txBody>
       </p:sp>
       <p:pic>
         <p:nvPicPr>
-          <p:cNvPr id="2050" name="Picture 2" descr="Java-Интерактивный ввод данных - Информатика - 10 класс">
+          <p:cNvPr id="3" name="Рисунок 2">
             <a:extLst>
               <a:ext uri="{FF2B5EF4-FFF2-40B4-BE49-F238E27FC236}">
-                <a16:creationId xmlns:a16="http://schemas.microsoft.com/office/drawing/2014/main" id="{17EBF6B1-8085-408C-B40B-AF889AC0DB46}"/>
+                <a16:creationId xmlns:a16="http://schemas.microsoft.com/office/drawing/2014/main" id="{69C01455-E2F3-4556-982D-44DE12764B02}"/>
               </a:ext>
             </a:extLst>
           </p:cNvPr>
           <p:cNvPicPr>
-            <a:picLocks noChangeAspect="1" noChangeArrowheads="1"/>
+            <a:picLocks noChangeAspect="1"/>
           </p:cNvPicPr>
           <p:nvPr/>
         </p:nvPicPr>
         <p:blipFill rotWithShape="1">
-          <a:blip r:embed="rId2">
+          <a:blip r:embed="rId2"/>
+          <a:srcRect l="12592" t="20630" r="26050" b="17227"/>
+          <a:stretch/>
+        </p:blipFill>
+        <p:spPr>
+          <a:xfrm>
+            <a:off x="1987345" y="2215675"/>
+            <a:ext cx="7756434" cy="4416642"/>
+          </a:xfrm>
+          <a:prstGeom prst="rect">
+            <a:avLst/>
+          </a:prstGeom>
+        </p:spPr>
+      </p:pic>
+      <p:sp>
+        <p:nvSpPr>
+          <p:cNvPr id="2" name="TextBox 1">
             <a:extLst>
-              <a:ext uri="{28A0092B-C50C-407E-A947-70E740481C1C}">
-                <a14:useLocalDpi xmlns:a14="http://schemas.microsoft.com/office/drawing/2010/main" val="0"/>
+              <a:ext uri="{FF2B5EF4-FFF2-40B4-BE49-F238E27FC236}">
+                <a16:creationId xmlns:a16="http://schemas.microsoft.com/office/drawing/2014/main" id="{C0199565-5ECA-43CD-9C4D-872E96BA3C9C}"/>
               </a:ext>
             </a:extLst>
-          </a:blip>
-          <a:srcRect t="24389" b="8426"/>
-          <a:stretch/>
-        </p:blipFill>
-        <p:spPr bwMode="auto">
+          </p:cNvPr>
+          <p:cNvSpPr txBox="1"/>
+          <p:nvPr/>
+        </p:nvSpPr>
+        <p:spPr>
           <a:xfrm>
-            <a:off x="2524217" y="1893163"/>
-            <a:ext cx="6096000" cy="3071674"/>
+            <a:off x="3146633" y="1195258"/>
+            <a:ext cx="5067413" cy="461665"/>
           </a:xfrm>
           <a:prstGeom prst="rect">
             <a:avLst/>
           </a:prstGeom>
           <a:noFill/>
-          <a:extLst>
-            <a:ext uri="{909E8E84-426E-40DD-AFC4-6F175D3DCCD1}">
-              <a14:hiddenFill xmlns:a14="http://schemas.microsoft.com/office/drawing/2010/main">
-                <a:solidFill>
-                  <a:srgbClr val="FFFFFF"/>
-                </a:solidFill>
-              </a14:hiddenFill>
-            </a:ext>
-          </a:extLst>
-        </p:spPr>
-      </p:pic>
-      <p:sp>
-        <p:nvSpPr>
-          <p:cNvPr id="3" name="Прямоугольник 2">
-            <a:extLst>
-              <a:ext uri="{FF2B5EF4-FFF2-40B4-BE49-F238E27FC236}">
-                <a16:creationId xmlns:a16="http://schemas.microsoft.com/office/drawing/2014/main" id="{596933AC-7F99-4494-A0DF-A0E2BADF4693}"/>
-              </a:ext>
-            </a:extLst>
-          </p:cNvPr>
-          <p:cNvSpPr/>
-          <p:nvPr/>
-        </p:nvSpPr>
-        <p:spPr>
-          <a:xfrm>
-            <a:off x="819704" y="5151268"/>
-            <a:ext cx="6096000" cy="1200329"/>
-          </a:xfrm>
-          <a:prstGeom prst="rect">
-            <a:avLst/>
-          </a:prstGeom>
         </p:spPr>
         <p:txBody>
-          <a:bodyPr>
+          <a:bodyPr wrap="none" rtlCol="0">
             <a:spAutoFit/>
           </a:bodyPr>
           <a:lstStyle/>
           <a:p>
-            <a:endParaRPr lang="ru-RU" dirty="0"/>
-          </a:p>
-          <a:p>
-            <a:r>
-              <a:rPr lang="ru-RU" dirty="0" err="1"/>
-              <a:t>double</a:t>
-            </a:r>
-            <a:r>
-              <a:rPr lang="ru-RU" dirty="0"/>
-              <a:t> c = </a:t>
-            </a:r>
-            <a:r>
-              <a:rPr lang="ru-RU" dirty="0" err="1"/>
-              <a:t>Math.sqrt</a:t>
-            </a:r>
-            <a:r>
-              <a:rPr lang="ru-RU" dirty="0"/>
-              <a:t>(16);</a:t>
-            </a:r>
-            <a:endParaRPr lang="en-US" dirty="0"/>
-          </a:p>
-          <a:p>
-            <a:endParaRPr lang="en-US" dirty="0"/>
-          </a:p>
-          <a:p>
-            <a:r>
-              <a:rPr lang="en-US" dirty="0"/>
-              <a:t>double p =  </a:t>
-            </a:r>
-            <a:r>
-              <a:rPr lang="en-US" dirty="0" err="1"/>
-              <a:t>Math.pow</a:t>
-            </a:r>
-            <a:r>
-              <a:rPr lang="en-US" dirty="0"/>
-              <a:t>(c, 6);</a:t>
-            </a:r>
-            <a:endParaRPr lang="ru-RU" dirty="0"/>
+            <a:r>
+              <a:rPr lang="ru-RU" sz="2400" dirty="0"/>
+              <a:t>Пример макета </a:t>
+            </a:r>
+            <a:r>
+              <a:rPr lang="en-US" sz="2400" dirty="0"/>
+              <a:t>UI</a:t>
+            </a:r>
+            <a:r>
+              <a:rPr lang="ru-RU" sz="2400" dirty="0"/>
+              <a:t> приложения</a:t>
+            </a:r>
           </a:p>
         </p:txBody>
       </p:sp>
     </p:spTree>
     <p:extLst>
       <p:ext uri="{BB962C8B-B14F-4D97-AF65-F5344CB8AC3E}">
-        <p14:creationId xmlns:p14="http://schemas.microsoft.com/office/powerpoint/2010/main" val="2668439589"/>
+        <p14:creationId xmlns:p14="http://schemas.microsoft.com/office/powerpoint/2010/main" val="298868113"/>
       </p:ext>
     </p:extLst>
   </p:cSld>
@@ -15719,6 +16831,590 @@
                 </a:solidFill>
                 <a:latin typeface="Segoe Print" panose="02000600000000000000" pitchFamily="2" charset="0"/>
               </a:rPr>
+              <a:t>Логический тип данных</a:t>
+            </a:r>
+          </a:p>
+        </p:txBody>
+      </p:sp>
+      <p:sp>
+        <p:nvSpPr>
+          <p:cNvPr id="109" name="CustomShape 2"/>
+          <p:cNvSpPr/>
+          <p:nvPr/>
+        </p:nvSpPr>
+        <p:spPr>
+          <a:xfrm>
+            <a:off x="1663575" y="2365584"/>
+            <a:ext cx="2495205" cy="458827"/>
+          </a:xfrm>
+          <a:prstGeom prst="rect">
+            <a:avLst/>
+          </a:prstGeom>
+          <a:noFill/>
+          <a:ln>
+            <a:noFill/>
+          </a:ln>
+        </p:spPr>
+        <p:style>
+          <a:lnRef idx="0">
+            <a:scrgbClr r="0" g="0" b="0"/>
+          </a:lnRef>
+          <a:fillRef idx="0">
+            <a:scrgbClr r="0" g="0" b="0"/>
+          </a:fillRef>
+          <a:effectRef idx="0">
+            <a:scrgbClr r="0" g="0" b="0"/>
+          </a:effectRef>
+          <a:fontRef idx="minor"/>
+        </p:style>
+        <p:txBody>
+          <a:bodyPr lIns="90000" tIns="45000" rIns="90000" bIns="45000">
+            <a:noAutofit/>
+          </a:bodyPr>
+          <a:lstStyle/>
+          <a:p>
+            <a:pPr>
+              <a:lnSpc>
+                <a:spcPct val="100000"/>
+              </a:lnSpc>
+            </a:pPr>
+            <a:r>
+              <a:rPr lang="ru-RU" sz="2800" b="1" spc="-1" dirty="0">
+                <a:solidFill>
+                  <a:srgbClr val="7030A0"/>
+                </a:solidFill>
+                <a:latin typeface="Segoe Print" panose="02000600000000000000" pitchFamily="2" charset="0"/>
+                <a:ea typeface="DejaVu Sans"/>
+              </a:rPr>
+              <a:t>Тип </a:t>
+            </a:r>
+            <a:r>
+              <a:rPr lang="ru-RU" sz="2800" b="1" spc="-1" dirty="0" err="1">
+                <a:solidFill>
+                  <a:srgbClr val="7030A0"/>
+                </a:solidFill>
+                <a:latin typeface="Segoe Print" panose="02000600000000000000" pitchFamily="2" charset="0"/>
+                <a:ea typeface="DejaVu Sans"/>
+              </a:rPr>
+              <a:t>bool</a:t>
+            </a:r>
+            <a:r>
+              <a:rPr lang="en-US" sz="2800" b="1" spc="-1" dirty="0" err="1">
+                <a:solidFill>
+                  <a:srgbClr val="7030A0"/>
+                </a:solidFill>
+                <a:latin typeface="Segoe Print" panose="02000600000000000000" pitchFamily="2" charset="0"/>
+                <a:ea typeface="DejaVu Sans"/>
+              </a:rPr>
+              <a:t>ean</a:t>
+            </a:r>
+            <a:endParaRPr lang="ru-RU" sz="2800" spc="-1" dirty="0">
+              <a:solidFill>
+                <a:srgbClr val="7030A0"/>
+              </a:solidFill>
+              <a:latin typeface="Segoe Print" panose="02000600000000000000" pitchFamily="2" charset="0"/>
+            </a:endParaRPr>
+          </a:p>
+        </p:txBody>
+      </p:sp>
+      <p:sp>
+        <p:nvSpPr>
+          <p:cNvPr id="110" name="CustomShape 3"/>
+          <p:cNvSpPr/>
+          <p:nvPr/>
+        </p:nvSpPr>
+        <p:spPr>
+          <a:xfrm>
+            <a:off x="1092471" y="2974529"/>
+            <a:ext cx="5486760" cy="1592280"/>
+          </a:xfrm>
+          <a:prstGeom prst="rect">
+            <a:avLst/>
+          </a:prstGeom>
+          <a:noFill/>
+          <a:ln>
+            <a:noFill/>
+          </a:ln>
+        </p:spPr>
+        <p:style>
+          <a:lnRef idx="0">
+            <a:scrgbClr r="0" g="0" b="0"/>
+          </a:lnRef>
+          <a:fillRef idx="0">
+            <a:scrgbClr r="0" g="0" b="0"/>
+          </a:fillRef>
+          <a:effectRef idx="0">
+            <a:scrgbClr r="0" g="0" b="0"/>
+          </a:effectRef>
+          <a:fontRef idx="minor"/>
+        </p:style>
+        <p:txBody>
+          <a:bodyPr lIns="90000" tIns="45000" rIns="90000" bIns="45000">
+            <a:noAutofit/>
+          </a:bodyPr>
+          <a:lstStyle/>
+          <a:p>
+            <a:pPr>
+              <a:lnSpc>
+                <a:spcPct val="100000"/>
+              </a:lnSpc>
+            </a:pPr>
+            <a:r>
+              <a:rPr lang="ru-RU" sz="2800" spc="-1" dirty="0">
+                <a:solidFill>
+                  <a:srgbClr val="030303"/>
+                </a:solidFill>
+                <a:latin typeface="Calibri"/>
+                <a:ea typeface="DejaVu Sans"/>
+              </a:rPr>
+              <a:t>Возможные значения:</a:t>
+            </a:r>
+            <a:endParaRPr lang="ru-RU" sz="2800" spc="-1" dirty="0">
+              <a:latin typeface="Arial"/>
+            </a:endParaRPr>
+          </a:p>
+          <a:p>
+            <a:pPr>
+              <a:lnSpc>
+                <a:spcPct val="100000"/>
+              </a:lnSpc>
+            </a:pPr>
+            <a:r>
+              <a:rPr lang="ru-RU" sz="2800" spc="-1" dirty="0">
+                <a:solidFill>
+                  <a:srgbClr val="030303"/>
+                </a:solidFill>
+                <a:latin typeface="Calibri"/>
+                <a:ea typeface="DejaVu Sans"/>
+              </a:rPr>
+              <a:t>- </a:t>
+            </a:r>
+            <a:r>
+              <a:rPr lang="en-US" sz="2800" spc="-1" dirty="0">
+                <a:solidFill>
+                  <a:srgbClr val="030303"/>
+                </a:solidFill>
+                <a:latin typeface="Calibri"/>
+                <a:ea typeface="DejaVu Sans"/>
+              </a:rPr>
+              <a:t>t</a:t>
+            </a:r>
+            <a:r>
+              <a:rPr lang="ru-RU" sz="2800" spc="-1" dirty="0" err="1">
+                <a:solidFill>
+                  <a:srgbClr val="030303"/>
+                </a:solidFill>
+                <a:latin typeface="Calibri"/>
+                <a:ea typeface="DejaVu Sans"/>
+              </a:rPr>
+              <a:t>rue</a:t>
+            </a:r>
+            <a:r>
+              <a:rPr lang="ru-RU" sz="2800" spc="-1" dirty="0">
+                <a:solidFill>
+                  <a:srgbClr val="030303"/>
+                </a:solidFill>
+                <a:latin typeface="Calibri"/>
+                <a:ea typeface="DejaVu Sans"/>
+              </a:rPr>
+              <a:t> (Истина, 1)</a:t>
+            </a:r>
+            <a:endParaRPr lang="ru-RU" sz="2800" spc="-1" dirty="0">
+              <a:latin typeface="Arial"/>
+            </a:endParaRPr>
+          </a:p>
+          <a:p>
+            <a:pPr>
+              <a:lnSpc>
+                <a:spcPct val="100000"/>
+              </a:lnSpc>
+            </a:pPr>
+            <a:r>
+              <a:rPr lang="ru-RU" sz="2800" spc="-1" dirty="0">
+                <a:solidFill>
+                  <a:srgbClr val="030303"/>
+                </a:solidFill>
+                <a:latin typeface="Calibri"/>
+                <a:ea typeface="DejaVu Sans"/>
+              </a:rPr>
+              <a:t>- </a:t>
+            </a:r>
+            <a:r>
+              <a:rPr lang="en-US" sz="2800" spc="-1" dirty="0">
+                <a:solidFill>
+                  <a:srgbClr val="030303"/>
+                </a:solidFill>
+                <a:latin typeface="Calibri"/>
+                <a:ea typeface="DejaVu Sans"/>
+              </a:rPr>
+              <a:t>f</a:t>
+            </a:r>
+            <a:r>
+              <a:rPr lang="ru-RU" sz="2800" spc="-1" dirty="0" err="1">
+                <a:solidFill>
+                  <a:srgbClr val="030303"/>
+                </a:solidFill>
+                <a:latin typeface="Calibri"/>
+                <a:ea typeface="DejaVu Sans"/>
+              </a:rPr>
+              <a:t>alse</a:t>
+            </a:r>
+            <a:r>
+              <a:rPr lang="ru-RU" sz="2800" spc="-1" dirty="0">
+                <a:solidFill>
+                  <a:srgbClr val="030303"/>
+                </a:solidFill>
+                <a:latin typeface="Calibri"/>
+                <a:ea typeface="DejaVu Sans"/>
+              </a:rPr>
+              <a:t> (Ложь, 0)</a:t>
+            </a:r>
+            <a:endParaRPr lang="ru-RU" sz="2800" spc="-1" dirty="0">
+              <a:latin typeface="Arial"/>
+            </a:endParaRPr>
+          </a:p>
+          <a:p>
+            <a:pPr>
+              <a:lnSpc>
+                <a:spcPct val="100000"/>
+              </a:lnSpc>
+            </a:pPr>
+            <a:endParaRPr lang="ru-RU" sz="2800" spc="-1" dirty="0">
+              <a:latin typeface="Arial"/>
+            </a:endParaRPr>
+          </a:p>
+        </p:txBody>
+      </p:sp>
+      <p:sp>
+        <p:nvSpPr>
+          <p:cNvPr id="112" name="CustomShape 4"/>
+          <p:cNvSpPr/>
+          <p:nvPr/>
+        </p:nvSpPr>
+        <p:spPr>
+          <a:xfrm>
+            <a:off x="6514049" y="2406600"/>
+            <a:ext cx="3815645" cy="492870"/>
+          </a:xfrm>
+          <a:prstGeom prst="rect">
+            <a:avLst/>
+          </a:prstGeom>
+          <a:noFill/>
+          <a:ln>
+            <a:noFill/>
+          </a:ln>
+        </p:spPr>
+        <p:style>
+          <a:lnRef idx="0">
+            <a:scrgbClr r="0" g="0" b="0"/>
+          </a:lnRef>
+          <a:fillRef idx="0">
+            <a:scrgbClr r="0" g="0" b="0"/>
+          </a:fillRef>
+          <a:effectRef idx="0">
+            <a:scrgbClr r="0" g="0" b="0"/>
+          </a:effectRef>
+          <a:fontRef idx="minor"/>
+        </p:style>
+        <p:txBody>
+          <a:bodyPr lIns="90000" tIns="45000" rIns="90000" bIns="45000">
+            <a:noAutofit/>
+          </a:bodyPr>
+          <a:lstStyle/>
+          <a:p>
+            <a:pPr>
+              <a:lnSpc>
+                <a:spcPct val="100000"/>
+              </a:lnSpc>
+            </a:pPr>
+            <a:r>
+              <a:rPr lang="ru-RU" sz="2800" b="1" spc="-1" dirty="0">
+                <a:solidFill>
+                  <a:srgbClr val="7030A0"/>
+                </a:solidFill>
+                <a:latin typeface="Segoe Print" panose="02000600000000000000" pitchFamily="2" charset="0"/>
+                <a:ea typeface="DejaVu Sans"/>
+              </a:rPr>
+              <a:t>Пример</a:t>
+            </a:r>
+            <a:r>
+              <a:rPr lang="en-US" sz="2800" b="1" spc="-1" dirty="0">
+                <a:solidFill>
+                  <a:srgbClr val="7030A0"/>
+                </a:solidFill>
+                <a:latin typeface="Segoe Print" panose="02000600000000000000" pitchFamily="2" charset="0"/>
+                <a:ea typeface="DejaVu Sans"/>
+              </a:rPr>
+              <a:t> </a:t>
+            </a:r>
+            <a:r>
+              <a:rPr lang="ru-RU" sz="2800" b="1" spc="-1" dirty="0">
+                <a:solidFill>
+                  <a:srgbClr val="7030A0"/>
+                </a:solidFill>
+                <a:latin typeface="Segoe Print" panose="02000600000000000000" pitchFamily="2" charset="0"/>
+                <a:ea typeface="DejaVu Sans"/>
+              </a:rPr>
+              <a:t>кода:</a:t>
+            </a:r>
+          </a:p>
+        </p:txBody>
+      </p:sp>
+      <p:sp>
+        <p:nvSpPr>
+          <p:cNvPr id="8" name="TextBox 7">
+            <a:extLst>
+              <a:ext uri="{FF2B5EF4-FFF2-40B4-BE49-F238E27FC236}">
+                <a16:creationId xmlns:a16="http://schemas.microsoft.com/office/drawing/2014/main" id="{8551876F-92BA-443D-8322-1BE143AE3104}"/>
+              </a:ext>
+            </a:extLst>
+          </p:cNvPr>
+          <p:cNvSpPr txBox="1"/>
+          <p:nvPr/>
+        </p:nvSpPr>
+        <p:spPr>
+          <a:xfrm>
+            <a:off x="6514049" y="2980080"/>
+            <a:ext cx="6096000" cy="1815882"/>
+          </a:xfrm>
+          <a:prstGeom prst="rect">
+            <a:avLst/>
+          </a:prstGeom>
+          <a:noFill/>
+        </p:spPr>
+        <p:txBody>
+          <a:bodyPr wrap="square">
+            <a:spAutoFit/>
+          </a:bodyPr>
+          <a:lstStyle/>
+          <a:p>
+            <a:r>
+              <a:rPr lang="ru-RU" sz="2800" spc="-1" dirty="0">
+                <a:solidFill>
+                  <a:srgbClr val="030303"/>
+                </a:solidFill>
+                <a:latin typeface="Calibri"/>
+                <a:ea typeface="DejaVu Sans"/>
+              </a:rPr>
+              <a:t>//Пример кода</a:t>
+            </a:r>
+          </a:p>
+          <a:p>
+            <a:r>
+              <a:rPr lang="ru-RU" sz="2800" spc="-1" dirty="0" err="1">
+                <a:solidFill>
+                  <a:srgbClr val="030303"/>
+                </a:solidFill>
+                <a:latin typeface="Calibri"/>
+                <a:ea typeface="DejaVu Sans"/>
+              </a:rPr>
+              <a:t>boolean</a:t>
+            </a:r>
+            <a:r>
+              <a:rPr lang="ru-RU" sz="2800" spc="-1" dirty="0">
+                <a:solidFill>
+                  <a:srgbClr val="030303"/>
+                </a:solidFill>
+                <a:latin typeface="Calibri"/>
+                <a:ea typeface="DejaVu Sans"/>
+              </a:rPr>
+              <a:t> </a:t>
+            </a:r>
+            <a:r>
+              <a:rPr lang="ru-RU" sz="2800" spc="-1" dirty="0" err="1">
+                <a:solidFill>
+                  <a:srgbClr val="030303"/>
+                </a:solidFill>
+                <a:latin typeface="Calibri"/>
+                <a:ea typeface="DejaVu Sans"/>
+              </a:rPr>
+              <a:t>value</a:t>
+            </a:r>
+            <a:r>
+              <a:rPr lang="ru-RU" sz="2800" spc="-1" dirty="0">
+                <a:solidFill>
+                  <a:srgbClr val="030303"/>
+                </a:solidFill>
+                <a:latin typeface="Calibri"/>
+                <a:ea typeface="DejaVu Sans"/>
+              </a:rPr>
+              <a:t> = </a:t>
+            </a:r>
+            <a:r>
+              <a:rPr lang="ru-RU" sz="2800" spc="-1" dirty="0" err="1">
+                <a:solidFill>
+                  <a:srgbClr val="030303"/>
+                </a:solidFill>
+                <a:latin typeface="Calibri"/>
+                <a:ea typeface="DejaVu Sans"/>
+              </a:rPr>
+              <a:t>true</a:t>
+            </a:r>
+            <a:r>
+              <a:rPr lang="ru-RU" sz="2800" spc="-1" dirty="0">
+                <a:solidFill>
+                  <a:srgbClr val="030303"/>
+                </a:solidFill>
+                <a:latin typeface="Calibri"/>
+                <a:ea typeface="DejaVu Sans"/>
+              </a:rPr>
+              <a:t>; </a:t>
+            </a:r>
+            <a:endParaRPr lang="en-US" sz="2800" spc="-1" dirty="0">
+              <a:solidFill>
+                <a:srgbClr val="030303"/>
+              </a:solidFill>
+              <a:latin typeface="Calibri"/>
+              <a:ea typeface="DejaVu Sans"/>
+            </a:endParaRPr>
+          </a:p>
+          <a:p>
+            <a:r>
+              <a:rPr lang="ru-RU" sz="2800" spc="-1" dirty="0" err="1">
+                <a:solidFill>
+                  <a:srgbClr val="030303"/>
+                </a:solidFill>
+                <a:latin typeface="Calibri"/>
+                <a:ea typeface="DejaVu Sans"/>
+              </a:rPr>
+              <a:t>boolean</a:t>
+            </a:r>
+            <a:r>
+              <a:rPr lang="ru-RU" sz="2800" spc="-1" dirty="0">
+                <a:solidFill>
+                  <a:srgbClr val="030303"/>
+                </a:solidFill>
+                <a:latin typeface="Calibri"/>
+                <a:ea typeface="DejaVu Sans"/>
+              </a:rPr>
+              <a:t> </a:t>
+            </a:r>
+            <a:r>
+              <a:rPr lang="ru-RU" sz="2800" spc="-1" dirty="0" err="1">
+                <a:solidFill>
+                  <a:srgbClr val="030303"/>
+                </a:solidFill>
+                <a:latin typeface="Calibri"/>
+                <a:ea typeface="DejaVu Sans"/>
+              </a:rPr>
+              <a:t>value</a:t>
+            </a:r>
+            <a:r>
+              <a:rPr lang="ru-RU" sz="2800" spc="-1" dirty="0">
+                <a:solidFill>
+                  <a:srgbClr val="030303"/>
+                </a:solidFill>
+                <a:latin typeface="Calibri"/>
+                <a:ea typeface="DejaVu Sans"/>
+              </a:rPr>
+              <a:t> = </a:t>
+            </a:r>
+            <a:r>
+              <a:rPr lang="en-US" sz="2800" spc="-1" dirty="0">
+                <a:solidFill>
+                  <a:srgbClr val="030303"/>
+                </a:solidFill>
+                <a:latin typeface="Calibri"/>
+                <a:ea typeface="DejaVu Sans"/>
+              </a:rPr>
+              <a:t>false</a:t>
+            </a:r>
+            <a:r>
+              <a:rPr lang="ru-RU" sz="2800" spc="-1" dirty="0">
+                <a:solidFill>
+                  <a:srgbClr val="030303"/>
+                </a:solidFill>
+                <a:latin typeface="Calibri"/>
+                <a:ea typeface="DejaVu Sans"/>
+              </a:rPr>
+              <a:t>; </a:t>
+            </a:r>
+          </a:p>
+          <a:p>
+            <a:endParaRPr lang="ru-RU" sz="2800" spc="-1" dirty="0">
+              <a:solidFill>
+                <a:srgbClr val="030303"/>
+              </a:solidFill>
+              <a:latin typeface="Calibri"/>
+              <a:ea typeface="DejaVu Sans"/>
+            </a:endParaRPr>
+          </a:p>
+        </p:txBody>
+      </p:sp>
+    </p:spTree>
+  </p:cSld>
+  <p:clrMapOvr>
+    <a:masterClrMapping/>
+  </p:clrMapOvr>
+</p:sld>
+</file>
+
+<file path=ppt/slides/slide3.xml><?xml version="1.0" encoding="utf-8"?>
+<p:sld xmlns:a="http://schemas.openxmlformats.org/drawingml/2006/main" xmlns:r="http://schemas.openxmlformats.org/officeDocument/2006/relationships" xmlns:p="http://schemas.openxmlformats.org/presentationml/2006/main">
+  <p:cSld>
+    <p:spTree>
+      <p:nvGrpSpPr>
+        <p:cNvPr id="1" name=""/>
+        <p:cNvGrpSpPr/>
+        <p:nvPr/>
+      </p:nvGrpSpPr>
+      <p:grpSpPr>
+        <a:xfrm>
+          <a:off x="0" y="0"/>
+          <a:ext cx="0" cy="0"/>
+          <a:chOff x="0" y="0"/>
+          <a:chExt cx="0" cy="0"/>
+        </a:xfrm>
+      </p:grpSpPr>
+      <p:sp>
+        <p:nvSpPr>
+          <p:cNvPr id="108" name="CustomShape 1"/>
+          <p:cNvSpPr/>
+          <p:nvPr/>
+        </p:nvSpPr>
+        <p:spPr>
+          <a:xfrm>
+            <a:off x="2344260" y="743760"/>
+            <a:ext cx="7882920" cy="759240"/>
+          </a:xfrm>
+          <a:prstGeom prst="rect">
+            <a:avLst/>
+          </a:prstGeom>
+          <a:noFill/>
+          <a:ln>
+            <a:noFill/>
+          </a:ln>
+        </p:spPr>
+        <p:style>
+          <a:lnRef idx="0">
+            <a:scrgbClr r="0" g="0" b="0"/>
+          </a:lnRef>
+          <a:fillRef idx="0">
+            <a:scrgbClr r="0" g="0" b="0"/>
+          </a:fillRef>
+          <a:effectRef idx="0">
+            <a:scrgbClr r="0" g="0" b="0"/>
+          </a:effectRef>
+          <a:fontRef idx="minor"/>
+        </p:style>
+        <p:txBody>
+          <a:bodyPr lIns="90000" tIns="45000" rIns="90000" bIns="45000" anchor="ctr">
+            <a:normAutofit/>
+          </a:bodyPr>
+          <a:lstStyle/>
+          <a:p>
+            <a:pPr algn="ctr">
+              <a:lnSpc>
+                <a:spcPct val="100000"/>
+              </a:lnSpc>
+            </a:pPr>
+            <a:r>
+              <a:rPr lang="ru-RU" sz="3200" b="1" cap="all" spc="-100" dirty="0">
+                <a:solidFill>
+                  <a:srgbClr val="7030A0"/>
+                </a:solidFill>
+                <a:latin typeface="Segoe Print" panose="02000600000000000000" pitchFamily="2" charset="0"/>
+              </a:rPr>
               <a:t>символьный тип данных</a:t>
             </a:r>
           </a:p>
@@ -16158,7 +17854,7 @@
 </p:sld>
 </file>
 
-<file path=ppt/slides/slide3.xml><?xml version="1.0" encoding="utf-8"?>
+<file path=ppt/slides/slide4.xml><?xml version="1.0" encoding="utf-8"?>
 <p:sld xmlns:a="http://schemas.openxmlformats.org/drawingml/2006/main" xmlns:r="http://schemas.openxmlformats.org/officeDocument/2006/relationships" xmlns:p="http://schemas.openxmlformats.org/presentationml/2006/main">
   <p:cSld>
     <p:spTree>
@@ -16183,7 +17879,7 @@
         </p:nvSpPr>
         <p:spPr>
           <a:xfrm>
-            <a:off x="2344260" y="743760"/>
+            <a:off x="2303266" y="226473"/>
             <a:ext cx="7882920" cy="759240"/>
           </a:xfrm>
           <a:prstGeom prst="rect">
@@ -16224,7 +17920,7 @@
                 </a:solidFill>
                 <a:latin typeface="Segoe Print" panose="02000600000000000000" pitchFamily="2" charset="0"/>
               </a:rPr>
-              <a:t>Логический тип данных</a:t>
+              <a:t>строковый тип данных</a:t>
             </a:r>
           </a:p>
         </p:txBody>
@@ -16237,8 +17933,8 @@
         </p:nvSpPr>
         <p:spPr>
           <a:xfrm>
-            <a:off x="1663575" y="2365584"/>
-            <a:ext cx="2495205" cy="458827"/>
+            <a:off x="5085565" y="871006"/>
+            <a:ext cx="3092107" cy="458827"/>
           </a:xfrm>
           <a:prstGeom prst="rect">
             <a:avLst/>
@@ -16282,24 +17978,14 @@
               <a:t>Тип </a:t>
             </a:r>
             <a:r>
-              <a:rPr lang="ru-RU" sz="2800" b="1" spc="-1" dirty="0" err="1">
+              <a:rPr lang="en-US" sz="2800" b="1" spc="-1" dirty="0">
                 <a:solidFill>
                   <a:srgbClr val="7030A0"/>
                 </a:solidFill>
                 <a:latin typeface="Segoe Print" panose="02000600000000000000" pitchFamily="2" charset="0"/>
                 <a:ea typeface="DejaVu Sans"/>
               </a:rPr>
-              <a:t>bool</a:t>
-            </a:r>
-            <a:r>
-              <a:rPr lang="en-US" sz="2800" b="1" spc="-1" dirty="0" err="1">
-                <a:solidFill>
-                  <a:srgbClr val="7030A0"/>
-                </a:solidFill>
-                <a:latin typeface="Segoe Print" panose="02000600000000000000" pitchFamily="2" charset="0"/>
-                <a:ea typeface="DejaVu Sans"/>
-              </a:rPr>
-              <a:t>ean</a:t>
+              <a:t>String</a:t>
             </a:r>
             <a:endParaRPr lang="ru-RU" sz="2800" spc="-1" dirty="0">
               <a:solidFill>
@@ -16312,14 +17998,659 @@
       </p:sp>
       <p:sp>
         <p:nvSpPr>
-          <p:cNvPr id="110" name="CustomShape 3"/>
+          <p:cNvPr id="7" name="TextBox 6">
+            <a:extLst>
+              <a:ext uri="{FF2B5EF4-FFF2-40B4-BE49-F238E27FC236}">
+                <a16:creationId xmlns:a16="http://schemas.microsoft.com/office/drawing/2014/main" id="{1BD8481D-68FC-4B88-BF6E-F58FD479F16C}"/>
+              </a:ext>
+            </a:extLst>
+          </p:cNvPr>
+          <p:cNvSpPr txBox="1"/>
+          <p:nvPr/>
+        </p:nvSpPr>
+        <p:spPr>
+          <a:xfrm>
+            <a:off x="894233" y="1329833"/>
+            <a:ext cx="9414934" cy="1687963"/>
+          </a:xfrm>
+          <a:prstGeom prst="rect">
+            <a:avLst/>
+          </a:prstGeom>
+          <a:noFill/>
+        </p:spPr>
+        <p:txBody>
+          <a:bodyPr wrap="square">
+            <a:spAutoFit/>
+          </a:bodyPr>
+          <a:lstStyle/>
+          <a:p>
+            <a:pPr indent="215900" algn="just">
+              <a:lnSpc>
+                <a:spcPct val="150000"/>
+              </a:lnSpc>
+            </a:pPr>
+            <a:r>
+              <a:rPr lang="en-US" sz="2400" kern="100" dirty="0">
+                <a:solidFill>
+                  <a:srgbClr val="000000"/>
+                </a:solidFill>
+                <a:latin typeface="Times New Roman" panose="02020603050405020304" pitchFamily="18" charset="0"/>
+                <a:ea typeface="Arial Unicode MS"/>
+                <a:cs typeface="Arial Unicode MS"/>
+              </a:rPr>
+              <a:t>char</a:t>
+            </a:r>
+            <a:r>
+              <a:rPr lang="ru-RU" sz="2400" kern="100" dirty="0">
+                <a:solidFill>
+                  <a:srgbClr val="000000"/>
+                </a:solidFill>
+                <a:latin typeface="Times New Roman" panose="02020603050405020304" pitchFamily="18" charset="0"/>
+                <a:ea typeface="Arial Unicode MS"/>
+                <a:cs typeface="Arial Unicode MS"/>
+              </a:rPr>
+              <a:t> </a:t>
+            </a:r>
+            <a:r>
+              <a:rPr lang="en-US" sz="2400" kern="100" dirty="0">
+                <a:solidFill>
+                  <a:srgbClr val="000000"/>
+                </a:solidFill>
+                <a:latin typeface="Times New Roman" panose="02020603050405020304" pitchFamily="18" charset="0"/>
+                <a:ea typeface="Arial Unicode MS"/>
+                <a:cs typeface="Arial Unicode MS"/>
+              </a:rPr>
+              <a:t>a =  </a:t>
+            </a:r>
+            <a:r>
+              <a:rPr lang="en-US" sz="2400" kern="100" dirty="0">
+                <a:solidFill>
+                  <a:srgbClr val="FF0000"/>
+                </a:solidFill>
+                <a:effectLst/>
+                <a:latin typeface="Times New Roman" panose="02020603050405020304" pitchFamily="18" charset="0"/>
+                <a:ea typeface="Arial Unicode MS"/>
+                <a:cs typeface="Arial Unicode MS"/>
+              </a:rPr>
+              <a:t>'</a:t>
+            </a:r>
+            <a:r>
+              <a:rPr lang="en-US" sz="2400" kern="100" dirty="0">
+                <a:solidFill>
+                  <a:schemeClr val="accent6">
+                    <a:lumMod val="50000"/>
+                  </a:schemeClr>
+                </a:solidFill>
+                <a:effectLst/>
+                <a:latin typeface="Times New Roman" panose="02020603050405020304" pitchFamily="18" charset="0"/>
+                <a:ea typeface="Arial Unicode MS"/>
+                <a:cs typeface="Arial Unicode MS"/>
+              </a:rPr>
+              <a:t>A</a:t>
+            </a:r>
+            <a:r>
+              <a:rPr lang="en-US" sz="2400" kern="100" dirty="0">
+                <a:solidFill>
+                  <a:srgbClr val="FF0000"/>
+                </a:solidFill>
+                <a:effectLst/>
+                <a:latin typeface="Times New Roman" panose="02020603050405020304" pitchFamily="18" charset="0"/>
+                <a:ea typeface="Arial Unicode MS"/>
+                <a:cs typeface="Arial Unicode MS"/>
+              </a:rPr>
+              <a:t>’</a:t>
+            </a:r>
+            <a:r>
+              <a:rPr lang="en-US" sz="2400" kern="100" dirty="0">
+                <a:solidFill>
+                  <a:srgbClr val="000000"/>
+                </a:solidFill>
+                <a:effectLst/>
+                <a:latin typeface="Times New Roman" panose="02020603050405020304" pitchFamily="18" charset="0"/>
+                <a:ea typeface="Arial Unicode MS"/>
+                <a:cs typeface="Arial Unicode MS"/>
+              </a:rPr>
+              <a:t>;</a:t>
+            </a:r>
+            <a:endParaRPr lang="ru-RU" sz="2400" kern="100" dirty="0">
+              <a:solidFill>
+                <a:srgbClr val="000000"/>
+              </a:solidFill>
+              <a:effectLst/>
+              <a:latin typeface="Times New Roman" panose="02020603050405020304" pitchFamily="18" charset="0"/>
+              <a:ea typeface="Arial Unicode MS"/>
+              <a:cs typeface="Arial Unicode MS"/>
+            </a:endParaRPr>
+          </a:p>
+          <a:p>
+            <a:pPr indent="215900" algn="just">
+              <a:lnSpc>
+                <a:spcPct val="150000"/>
+              </a:lnSpc>
+            </a:pPr>
+            <a:r>
+              <a:rPr lang="en-US" sz="2400" kern="100" dirty="0">
+                <a:solidFill>
+                  <a:srgbClr val="000000"/>
+                </a:solidFill>
+                <a:effectLst/>
+                <a:latin typeface="Times New Roman" panose="02020603050405020304" pitchFamily="18" charset="0"/>
+                <a:ea typeface="Arial Unicode MS"/>
+                <a:cs typeface="Arial Unicode MS"/>
+              </a:rPr>
+              <a:t>String s = </a:t>
+            </a:r>
+            <a:r>
+              <a:rPr lang="en-US" sz="2400" kern="100" dirty="0">
+                <a:solidFill>
+                  <a:srgbClr val="FF0000"/>
+                </a:solidFill>
+                <a:effectLst/>
+                <a:latin typeface="Times New Roman" panose="02020603050405020304" pitchFamily="18" charset="0"/>
+                <a:ea typeface="Arial Unicode MS"/>
+                <a:cs typeface="Arial Unicode MS"/>
+              </a:rPr>
+              <a:t>“</a:t>
+            </a:r>
+            <a:r>
+              <a:rPr lang="ru-RU" sz="2400" kern="100" dirty="0">
+                <a:solidFill>
+                  <a:schemeClr val="accent6">
+                    <a:lumMod val="50000"/>
+                  </a:schemeClr>
+                </a:solidFill>
+                <a:latin typeface="Times New Roman" panose="02020603050405020304" pitchFamily="18" charset="0"/>
+              </a:rPr>
+              <a:t>Строка – это больше одного символа</a:t>
+            </a:r>
+            <a:r>
+              <a:rPr lang="en-US" sz="2400" kern="100" dirty="0">
+                <a:solidFill>
+                  <a:srgbClr val="FF0000"/>
+                </a:solidFill>
+                <a:effectLst/>
+                <a:latin typeface="Times New Roman" panose="02020603050405020304" pitchFamily="18" charset="0"/>
+                <a:ea typeface="Arial Unicode MS"/>
+                <a:cs typeface="Arial Unicode MS"/>
+              </a:rPr>
+              <a:t>”</a:t>
+            </a:r>
+            <a:r>
+              <a:rPr lang="en-US" sz="2400" kern="100" dirty="0">
+                <a:solidFill>
+                  <a:srgbClr val="000000"/>
+                </a:solidFill>
+                <a:latin typeface="Times New Roman" panose="02020603050405020304" pitchFamily="18" charset="0"/>
+              </a:rPr>
+              <a:t>;</a:t>
+            </a:r>
+          </a:p>
+          <a:p>
+            <a:pPr indent="215900" algn="just">
+              <a:lnSpc>
+                <a:spcPct val="150000"/>
+              </a:lnSpc>
+            </a:pPr>
+            <a:r>
+              <a:rPr lang="en-US" sz="2400" kern="100" dirty="0">
+                <a:solidFill>
+                  <a:srgbClr val="000000"/>
+                </a:solidFill>
+                <a:effectLst/>
+                <a:latin typeface="Times New Roman" panose="02020603050405020304" pitchFamily="18" charset="0"/>
+                <a:ea typeface="Arial Unicode MS"/>
+                <a:cs typeface="Arial Unicode MS"/>
+              </a:rPr>
+              <a:t>String s = </a:t>
+            </a:r>
+            <a:r>
+              <a:rPr lang="en-US" sz="2400" kern="100" dirty="0">
+                <a:solidFill>
+                  <a:srgbClr val="FF0000"/>
+                </a:solidFill>
+                <a:effectLst/>
+                <a:latin typeface="Times New Roman" panose="02020603050405020304" pitchFamily="18" charset="0"/>
+                <a:ea typeface="Arial Unicode MS"/>
+                <a:cs typeface="Arial Unicode MS"/>
+              </a:rPr>
+              <a:t>“</a:t>
+            </a:r>
+            <a:r>
+              <a:rPr lang="ru-RU" sz="2400" kern="100" dirty="0">
+                <a:solidFill>
+                  <a:schemeClr val="accent6">
+                    <a:lumMod val="50000"/>
+                  </a:schemeClr>
+                </a:solidFill>
+                <a:latin typeface="Times New Roman" panose="02020603050405020304" pitchFamily="18" charset="0"/>
+              </a:rPr>
+              <a:t>Первая строка</a:t>
+            </a:r>
+            <a:r>
+              <a:rPr lang="en-US" sz="2400" kern="100" dirty="0">
+                <a:solidFill>
+                  <a:srgbClr val="FF0000"/>
+                </a:solidFill>
+                <a:effectLst/>
+                <a:latin typeface="Times New Roman" panose="02020603050405020304" pitchFamily="18" charset="0"/>
+                <a:ea typeface="Arial Unicode MS"/>
+                <a:cs typeface="Arial Unicode MS"/>
+              </a:rPr>
+              <a:t>”</a:t>
+            </a:r>
+            <a:r>
+              <a:rPr lang="ru-RU" sz="2400" kern="100" dirty="0">
+                <a:solidFill>
+                  <a:srgbClr val="FF0000"/>
+                </a:solidFill>
+                <a:effectLst/>
+                <a:latin typeface="Times New Roman" panose="02020603050405020304" pitchFamily="18" charset="0"/>
+                <a:ea typeface="Arial Unicode MS"/>
+                <a:cs typeface="Arial Unicode MS"/>
+              </a:rPr>
+              <a:t> + </a:t>
+            </a:r>
+            <a:r>
+              <a:rPr lang="en-US" sz="2400" kern="100" dirty="0">
+                <a:solidFill>
+                  <a:srgbClr val="FF0000"/>
+                </a:solidFill>
+                <a:effectLst/>
+                <a:latin typeface="Times New Roman" panose="02020603050405020304" pitchFamily="18" charset="0"/>
+                <a:ea typeface="Arial Unicode MS"/>
+                <a:cs typeface="Arial Unicode MS"/>
+              </a:rPr>
+              <a:t>“</a:t>
+            </a:r>
+            <a:r>
+              <a:rPr lang="ru-RU" sz="2400" kern="100" dirty="0">
+                <a:solidFill>
+                  <a:schemeClr val="accent6">
+                    <a:lumMod val="50000"/>
+                  </a:schemeClr>
+                </a:solidFill>
+                <a:latin typeface="Times New Roman" panose="02020603050405020304" pitchFamily="18" charset="0"/>
+              </a:rPr>
+              <a:t>Вторая строка</a:t>
+            </a:r>
+            <a:r>
+              <a:rPr lang="en-US" sz="2400" kern="100" dirty="0">
+                <a:solidFill>
+                  <a:srgbClr val="FF0000"/>
+                </a:solidFill>
+                <a:effectLst/>
+                <a:latin typeface="Times New Roman" panose="02020603050405020304" pitchFamily="18" charset="0"/>
+                <a:ea typeface="Arial Unicode MS"/>
+                <a:cs typeface="Arial Unicode MS"/>
+              </a:rPr>
+              <a:t>”</a:t>
+            </a:r>
+            <a:r>
+              <a:rPr lang="en-US" sz="2400" kern="100" dirty="0">
+                <a:solidFill>
+                  <a:srgbClr val="000000"/>
+                </a:solidFill>
+                <a:latin typeface="Times New Roman" panose="02020603050405020304" pitchFamily="18" charset="0"/>
+              </a:rPr>
+              <a:t>;</a:t>
+            </a:r>
+            <a:endParaRPr lang="ru-RU" sz="2400" kern="100" dirty="0">
+              <a:solidFill>
+                <a:srgbClr val="000000"/>
+              </a:solidFill>
+              <a:latin typeface="Times New Roman" panose="02020603050405020304" pitchFamily="18" charset="0"/>
+            </a:endParaRPr>
+          </a:p>
+        </p:txBody>
+      </p:sp>
+      <p:sp>
+        <p:nvSpPr>
+          <p:cNvPr id="2" name="Прямоугольник 1">
+            <a:extLst>
+              <a:ext uri="{FF2B5EF4-FFF2-40B4-BE49-F238E27FC236}">
+                <a16:creationId xmlns:a16="http://schemas.microsoft.com/office/drawing/2014/main" id="{A6548A41-5627-4B1B-AFB6-2903B0D75885}"/>
+              </a:ext>
+            </a:extLst>
+          </p:cNvPr>
           <p:cNvSpPr/>
           <p:nvPr/>
         </p:nvSpPr>
         <p:spPr>
           <a:xfrm>
-            <a:off x="1092471" y="2974529"/>
-            <a:ext cx="5486760" cy="1592280"/>
+            <a:off x="1236946" y="3840205"/>
+            <a:ext cx="5551520" cy="3903954"/>
+          </a:xfrm>
+          <a:prstGeom prst="rect">
+            <a:avLst/>
+          </a:prstGeom>
+        </p:spPr>
+        <p:txBody>
+          <a:bodyPr wrap="none">
+            <a:spAutoFit/>
+          </a:bodyPr>
+          <a:lstStyle/>
+          <a:p>
+            <a:pPr>
+              <a:lnSpc>
+                <a:spcPct val="150000"/>
+              </a:lnSpc>
+            </a:pPr>
+            <a:r>
+              <a:rPr lang="en-US" sz="2400" kern="100" dirty="0">
+                <a:solidFill>
+                  <a:srgbClr val="000000"/>
+                </a:solidFill>
+                <a:latin typeface="Times New Roman" panose="02020603050405020304" pitchFamily="18" charset="0"/>
+              </a:rPr>
+              <a:t>String </a:t>
+            </a:r>
+            <a:r>
+              <a:rPr lang="en-US" sz="2400" kern="100" dirty="0" err="1">
+                <a:solidFill>
+                  <a:srgbClr val="000000"/>
+                </a:solidFill>
+                <a:latin typeface="Times New Roman" panose="02020603050405020304" pitchFamily="18" charset="0"/>
+              </a:rPr>
+              <a:t>myString</a:t>
+            </a:r>
+            <a:r>
+              <a:rPr lang="en-US" sz="2400" kern="100" dirty="0">
+                <a:solidFill>
+                  <a:srgbClr val="000000"/>
+                </a:solidFill>
+                <a:latin typeface="Times New Roman" panose="02020603050405020304" pitchFamily="18" charset="0"/>
+              </a:rPr>
+              <a:t> = “400”;</a:t>
+            </a:r>
+            <a:endParaRPr lang="ru-RU" sz="2400" kern="100" dirty="0">
+              <a:solidFill>
+                <a:srgbClr val="000000"/>
+              </a:solidFill>
+              <a:latin typeface="Times New Roman" panose="02020603050405020304" pitchFamily="18" charset="0"/>
+            </a:endParaRPr>
+          </a:p>
+          <a:p>
+            <a:pPr>
+              <a:lnSpc>
+                <a:spcPct val="150000"/>
+              </a:lnSpc>
+            </a:pPr>
+            <a:r>
+              <a:rPr lang="en-US" sz="2400" kern="100" dirty="0">
+                <a:solidFill>
+                  <a:srgbClr val="000000"/>
+                </a:solidFill>
+                <a:latin typeface="Times New Roman" panose="02020603050405020304" pitchFamily="18" charset="0"/>
+              </a:rPr>
+              <a:t>int </a:t>
+            </a:r>
+            <a:r>
+              <a:rPr lang="en-US" sz="2400" kern="100" dirty="0" err="1">
+                <a:solidFill>
+                  <a:srgbClr val="000000"/>
+                </a:solidFill>
+                <a:latin typeface="Times New Roman" panose="02020603050405020304" pitchFamily="18" charset="0"/>
+              </a:rPr>
+              <a:t>i</a:t>
+            </a:r>
+            <a:r>
+              <a:rPr lang="en-US" sz="2400" kern="100" dirty="0">
+                <a:solidFill>
+                  <a:srgbClr val="000000"/>
+                </a:solidFill>
+                <a:latin typeface="Times New Roman" panose="02020603050405020304" pitchFamily="18" charset="0"/>
+              </a:rPr>
+              <a:t> = </a:t>
+            </a:r>
+            <a:r>
+              <a:rPr lang="en-US" sz="2400" kern="100" dirty="0" err="1">
+                <a:solidFill>
+                  <a:srgbClr val="C00000"/>
+                </a:solidFill>
+                <a:latin typeface="Times New Roman" panose="02020603050405020304" pitchFamily="18" charset="0"/>
+              </a:rPr>
+              <a:t>Integer</a:t>
+            </a:r>
+            <a:r>
+              <a:rPr lang="en-US" sz="2400" kern="100" dirty="0" err="1">
+                <a:solidFill>
+                  <a:srgbClr val="000000"/>
+                </a:solidFill>
+                <a:latin typeface="Times New Roman" panose="02020603050405020304" pitchFamily="18" charset="0"/>
+              </a:rPr>
+              <a:t>.</a:t>
+            </a:r>
+            <a:r>
+              <a:rPr lang="en-US" sz="2400" kern="100" dirty="0" err="1">
+                <a:solidFill>
+                  <a:schemeClr val="accent1">
+                    <a:lumMod val="75000"/>
+                  </a:schemeClr>
+                </a:solidFill>
+                <a:latin typeface="Times New Roman" panose="02020603050405020304" pitchFamily="18" charset="0"/>
+              </a:rPr>
+              <a:t>parseInt</a:t>
+            </a:r>
+            <a:r>
+              <a:rPr lang="en-US" sz="2400" kern="100" dirty="0">
+                <a:solidFill>
+                  <a:srgbClr val="000000"/>
+                </a:solidFill>
+                <a:latin typeface="Times New Roman" panose="02020603050405020304" pitchFamily="18" charset="0"/>
+              </a:rPr>
+              <a:t> (</a:t>
+            </a:r>
+            <a:r>
+              <a:rPr lang="en-US" sz="2400" kern="100" dirty="0" err="1">
+                <a:solidFill>
+                  <a:srgbClr val="000000"/>
+                </a:solidFill>
+                <a:latin typeface="Times New Roman" panose="02020603050405020304" pitchFamily="18" charset="0"/>
+              </a:rPr>
+              <a:t>myString</a:t>
+            </a:r>
+            <a:r>
+              <a:rPr lang="en-US" sz="2400" kern="100" dirty="0">
+                <a:solidFill>
+                  <a:srgbClr val="000000"/>
+                </a:solidFill>
+                <a:latin typeface="Times New Roman" panose="02020603050405020304" pitchFamily="18" charset="0"/>
+              </a:rPr>
+              <a:t>);</a:t>
+            </a:r>
+          </a:p>
+          <a:p>
+            <a:pPr>
+              <a:lnSpc>
+                <a:spcPct val="150000"/>
+              </a:lnSpc>
+            </a:pPr>
+            <a:r>
+              <a:rPr lang="en-US" sz="2400" kern="100" dirty="0">
+                <a:solidFill>
+                  <a:srgbClr val="000000"/>
+                </a:solidFill>
+                <a:latin typeface="Times New Roman" panose="02020603050405020304" pitchFamily="18" charset="0"/>
+              </a:rPr>
+              <a:t>double d = </a:t>
+            </a:r>
+            <a:r>
+              <a:rPr lang="en-US" sz="2400" kern="100" dirty="0" err="1">
+                <a:solidFill>
+                  <a:srgbClr val="C00000"/>
+                </a:solidFill>
+                <a:latin typeface="Times New Roman" panose="02020603050405020304" pitchFamily="18" charset="0"/>
+              </a:rPr>
+              <a:t>Double</a:t>
+            </a:r>
+            <a:r>
+              <a:rPr lang="en-US" sz="2400" kern="100" dirty="0" err="1">
+                <a:solidFill>
+                  <a:srgbClr val="000000"/>
+                </a:solidFill>
+                <a:latin typeface="Times New Roman" panose="02020603050405020304" pitchFamily="18" charset="0"/>
+              </a:rPr>
+              <a:t>.</a:t>
+            </a:r>
+            <a:r>
+              <a:rPr lang="en-US" sz="2400" kern="100" dirty="0" err="1">
+                <a:solidFill>
+                  <a:schemeClr val="accent1">
+                    <a:lumMod val="75000"/>
+                  </a:schemeClr>
+                </a:solidFill>
+                <a:latin typeface="Times New Roman" panose="02020603050405020304" pitchFamily="18" charset="0"/>
+              </a:rPr>
+              <a:t>parseDouble</a:t>
+            </a:r>
+            <a:r>
+              <a:rPr lang="en-US" sz="2400" kern="100" dirty="0">
+                <a:solidFill>
+                  <a:srgbClr val="000000"/>
+                </a:solidFill>
+                <a:latin typeface="Times New Roman" panose="02020603050405020304" pitchFamily="18" charset="0"/>
+              </a:rPr>
+              <a:t>(</a:t>
+            </a:r>
+            <a:r>
+              <a:rPr lang="en-US" sz="2400" kern="100" dirty="0" err="1">
+                <a:solidFill>
+                  <a:srgbClr val="000000"/>
+                </a:solidFill>
+                <a:latin typeface="Times New Roman" panose="02020603050405020304" pitchFamily="18" charset="0"/>
+              </a:rPr>
+              <a:t>myString</a:t>
+            </a:r>
+            <a:r>
+              <a:rPr lang="en-US" sz="2400" kern="100" dirty="0">
+                <a:solidFill>
+                  <a:srgbClr val="000000"/>
+                </a:solidFill>
+                <a:latin typeface="Times New Roman" panose="02020603050405020304" pitchFamily="18" charset="0"/>
+              </a:rPr>
+              <a:t>);</a:t>
+            </a:r>
+          </a:p>
+          <a:p>
+            <a:pPr>
+              <a:lnSpc>
+                <a:spcPct val="150000"/>
+              </a:lnSpc>
+            </a:pPr>
+            <a:r>
+              <a:rPr lang="en-US" sz="2400" kern="100" dirty="0" err="1">
+                <a:solidFill>
+                  <a:srgbClr val="000000"/>
+                </a:solidFill>
+                <a:latin typeface="Times New Roman" panose="02020603050405020304" pitchFamily="18" charset="0"/>
+              </a:rPr>
+              <a:t>myString</a:t>
+            </a:r>
+            <a:r>
+              <a:rPr lang="en-US" sz="2400" kern="100" dirty="0">
+                <a:solidFill>
+                  <a:srgbClr val="000000"/>
+                </a:solidFill>
+                <a:latin typeface="Times New Roman" panose="02020603050405020304" pitchFamily="18" charset="0"/>
+              </a:rPr>
+              <a:t> = </a:t>
+            </a:r>
+            <a:r>
+              <a:rPr lang="en-US" sz="2400" kern="100" dirty="0" err="1">
+                <a:solidFill>
+                  <a:srgbClr val="C00000"/>
+                </a:solidFill>
+                <a:latin typeface="Times New Roman" panose="02020603050405020304" pitchFamily="18" charset="0"/>
+              </a:rPr>
+              <a:t>String</a:t>
+            </a:r>
+            <a:r>
+              <a:rPr lang="en-US" sz="2400" kern="100" dirty="0" err="1">
+                <a:solidFill>
+                  <a:srgbClr val="000000"/>
+                </a:solidFill>
+                <a:latin typeface="Times New Roman" panose="02020603050405020304" pitchFamily="18" charset="0"/>
+              </a:rPr>
+              <a:t>.</a:t>
+            </a:r>
+            <a:r>
+              <a:rPr lang="en-US" sz="2400" kern="100" dirty="0" err="1">
+                <a:solidFill>
+                  <a:schemeClr val="accent1">
+                    <a:lumMod val="75000"/>
+                  </a:schemeClr>
+                </a:solidFill>
+                <a:latin typeface="Times New Roman" panose="02020603050405020304" pitchFamily="18" charset="0"/>
+              </a:rPr>
+              <a:t>valueOf</a:t>
+            </a:r>
+            <a:r>
+              <a:rPr lang="en-US" sz="2400" kern="100" dirty="0">
+                <a:solidFill>
+                  <a:srgbClr val="000000"/>
+                </a:solidFill>
+                <a:latin typeface="Times New Roman" panose="02020603050405020304" pitchFamily="18" charset="0"/>
+              </a:rPr>
+              <a:t>(d);</a:t>
+            </a:r>
+          </a:p>
+          <a:p>
+            <a:pPr>
+              <a:lnSpc>
+                <a:spcPct val="150000"/>
+              </a:lnSpc>
+            </a:pPr>
+            <a:endParaRPr lang="en-US" sz="2400" kern="100" dirty="0">
+              <a:solidFill>
+                <a:srgbClr val="000000"/>
+              </a:solidFill>
+              <a:latin typeface="Times New Roman" panose="02020603050405020304" pitchFamily="18" charset="0"/>
+            </a:endParaRPr>
+          </a:p>
+          <a:p>
+            <a:pPr>
+              <a:lnSpc>
+                <a:spcPct val="150000"/>
+              </a:lnSpc>
+            </a:pPr>
+            <a:endParaRPr lang="ru-RU" sz="2400" kern="100" dirty="0">
+              <a:solidFill>
+                <a:srgbClr val="000000"/>
+              </a:solidFill>
+              <a:latin typeface="Times New Roman" panose="02020603050405020304" pitchFamily="18" charset="0"/>
+            </a:endParaRPr>
+          </a:p>
+          <a:p>
+            <a:pPr>
+              <a:lnSpc>
+                <a:spcPct val="150000"/>
+              </a:lnSpc>
+            </a:pPr>
+            <a:endParaRPr lang="ru-RU" sz="2400" kern="100" dirty="0">
+              <a:solidFill>
+                <a:srgbClr val="000000"/>
+              </a:solidFill>
+              <a:latin typeface="Times New Roman" panose="02020603050405020304" pitchFamily="18" charset="0"/>
+            </a:endParaRPr>
+          </a:p>
+        </p:txBody>
+      </p:sp>
+      <p:sp>
+        <p:nvSpPr>
+          <p:cNvPr id="6" name="CustomShape 2">
+            <a:extLst>
+              <a:ext uri="{FF2B5EF4-FFF2-40B4-BE49-F238E27FC236}">
+                <a16:creationId xmlns:a16="http://schemas.microsoft.com/office/drawing/2014/main" id="{77E17FAC-9296-45DC-996D-BE70610CD7ED}"/>
+              </a:ext>
+            </a:extLst>
+          </p:cNvPr>
+          <p:cNvSpPr/>
+          <p:nvPr/>
+        </p:nvSpPr>
+        <p:spPr>
+          <a:xfrm>
+            <a:off x="4012706" y="3132502"/>
+            <a:ext cx="5007006" cy="458827"/>
           </a:xfrm>
           <a:prstGeom prst="rect">
             <a:avLst/>
@@ -16353,174 +18684,6 @@
               </a:lnSpc>
             </a:pPr>
             <a:r>
-              <a:rPr lang="ru-RU" sz="2800" spc="-1" dirty="0">
-                <a:solidFill>
-                  <a:srgbClr val="030303"/>
-                </a:solidFill>
-                <a:latin typeface="Calibri"/>
-                <a:ea typeface="DejaVu Sans"/>
-              </a:rPr>
-              <a:t>Возможные значения:</a:t>
-            </a:r>
-            <a:endParaRPr lang="ru-RU" sz="2800" spc="-1" dirty="0">
-              <a:latin typeface="Arial"/>
-            </a:endParaRPr>
-          </a:p>
-          <a:p>
-            <a:pPr>
-              <a:lnSpc>
-                <a:spcPct val="100000"/>
-              </a:lnSpc>
-            </a:pPr>
-            <a:r>
-              <a:rPr lang="ru-RU" sz="2800" spc="-1" dirty="0">
-                <a:solidFill>
-                  <a:srgbClr val="030303"/>
-                </a:solidFill>
-                <a:latin typeface="Calibri"/>
-                <a:ea typeface="DejaVu Sans"/>
-              </a:rPr>
-              <a:t>- </a:t>
-            </a:r>
-            <a:r>
-              <a:rPr lang="en-US" sz="2800" spc="-1" dirty="0">
-                <a:solidFill>
-                  <a:srgbClr val="030303"/>
-                </a:solidFill>
-                <a:latin typeface="Calibri"/>
-                <a:ea typeface="DejaVu Sans"/>
-              </a:rPr>
-              <a:t>t</a:t>
-            </a:r>
-            <a:r>
-              <a:rPr lang="ru-RU" sz="2800" spc="-1" dirty="0" err="1">
-                <a:solidFill>
-                  <a:srgbClr val="030303"/>
-                </a:solidFill>
-                <a:latin typeface="Calibri"/>
-                <a:ea typeface="DejaVu Sans"/>
-              </a:rPr>
-              <a:t>rue</a:t>
-            </a:r>
-            <a:r>
-              <a:rPr lang="ru-RU" sz="2800" spc="-1" dirty="0">
-                <a:solidFill>
-                  <a:srgbClr val="030303"/>
-                </a:solidFill>
-                <a:latin typeface="Calibri"/>
-                <a:ea typeface="DejaVu Sans"/>
-              </a:rPr>
-              <a:t> (Истина, 1)</a:t>
-            </a:r>
-            <a:endParaRPr lang="ru-RU" sz="2800" spc="-1" dirty="0">
-              <a:latin typeface="Arial"/>
-            </a:endParaRPr>
-          </a:p>
-          <a:p>
-            <a:pPr>
-              <a:lnSpc>
-                <a:spcPct val="100000"/>
-              </a:lnSpc>
-            </a:pPr>
-            <a:r>
-              <a:rPr lang="ru-RU" sz="2800" spc="-1" dirty="0">
-                <a:solidFill>
-                  <a:srgbClr val="030303"/>
-                </a:solidFill>
-                <a:latin typeface="Calibri"/>
-                <a:ea typeface="DejaVu Sans"/>
-              </a:rPr>
-              <a:t>- </a:t>
-            </a:r>
-            <a:r>
-              <a:rPr lang="en-US" sz="2800" spc="-1" dirty="0">
-                <a:solidFill>
-                  <a:srgbClr val="030303"/>
-                </a:solidFill>
-                <a:latin typeface="Calibri"/>
-                <a:ea typeface="DejaVu Sans"/>
-              </a:rPr>
-              <a:t>f</a:t>
-            </a:r>
-            <a:r>
-              <a:rPr lang="ru-RU" sz="2800" spc="-1" dirty="0" err="1">
-                <a:solidFill>
-                  <a:srgbClr val="030303"/>
-                </a:solidFill>
-                <a:latin typeface="Calibri"/>
-                <a:ea typeface="DejaVu Sans"/>
-              </a:rPr>
-              <a:t>alse</a:t>
-            </a:r>
-            <a:r>
-              <a:rPr lang="ru-RU" sz="2800" spc="-1" dirty="0">
-                <a:solidFill>
-                  <a:srgbClr val="030303"/>
-                </a:solidFill>
-                <a:latin typeface="Calibri"/>
-                <a:ea typeface="DejaVu Sans"/>
-              </a:rPr>
-              <a:t> (Ложь, 0)</a:t>
-            </a:r>
-            <a:endParaRPr lang="ru-RU" sz="2800" spc="-1" dirty="0">
-              <a:latin typeface="Arial"/>
-            </a:endParaRPr>
-          </a:p>
-          <a:p>
-            <a:pPr>
-              <a:lnSpc>
-                <a:spcPct val="100000"/>
-              </a:lnSpc>
-            </a:pPr>
-            <a:endParaRPr lang="ru-RU" sz="2800" spc="-1" dirty="0">
-              <a:latin typeface="Arial"/>
-            </a:endParaRPr>
-          </a:p>
-        </p:txBody>
-      </p:sp>
-      <p:sp>
-        <p:nvSpPr>
-          <p:cNvPr id="112" name="CustomShape 4"/>
-          <p:cNvSpPr/>
-          <p:nvPr/>
-        </p:nvSpPr>
-        <p:spPr>
-          <a:xfrm>
-            <a:off x="6514049" y="2406600"/>
-            <a:ext cx="3815645" cy="492870"/>
-          </a:xfrm>
-          <a:prstGeom prst="rect">
-            <a:avLst/>
-          </a:prstGeom>
-          <a:noFill/>
-          <a:ln>
-            <a:noFill/>
-          </a:ln>
-        </p:spPr>
-        <p:style>
-          <a:lnRef idx="0">
-            <a:scrgbClr r="0" g="0" b="0"/>
-          </a:lnRef>
-          <a:fillRef idx="0">
-            <a:scrgbClr r="0" g="0" b="0"/>
-          </a:fillRef>
-          <a:effectRef idx="0">
-            <a:scrgbClr r="0" g="0" b="0"/>
-          </a:effectRef>
-          <a:fontRef idx="minor"/>
-        </p:style>
-        <p:txBody>
-          <a:bodyPr lIns="90000" tIns="45000" rIns="90000" bIns="45000">
-            <a:noAutofit/>
-          </a:bodyPr>
-          <a:lstStyle/>
-          <a:p>
-            <a:pPr>
-              <a:lnSpc>
-                <a:spcPct val="100000"/>
-              </a:lnSpc>
-            </a:pPr>
-            <a:r>
               <a:rPr lang="ru-RU" sz="2800" b="1" spc="-1" dirty="0">
                 <a:solidFill>
                   <a:srgbClr val="7030A0"/>
@@ -16528,213 +18691,23 @@
                 <a:latin typeface="Segoe Print" panose="02000600000000000000" pitchFamily="2" charset="0"/>
                 <a:ea typeface="DejaVu Sans"/>
               </a:rPr>
-              <a:t>Пример</a:t>
-            </a:r>
-            <a:r>
-              <a:rPr lang="en-US" sz="2800" b="1" spc="-1" dirty="0">
-                <a:solidFill>
-                  <a:srgbClr val="7030A0"/>
-                </a:solidFill>
-                <a:latin typeface="Segoe Print" panose="02000600000000000000" pitchFamily="2" charset="0"/>
-                <a:ea typeface="DejaVu Sans"/>
-              </a:rPr>
-              <a:t> </a:t>
-            </a:r>
-            <a:r>
-              <a:rPr lang="ru-RU" sz="2800" b="1" spc="-1" dirty="0">
-                <a:solidFill>
-                  <a:srgbClr val="7030A0"/>
-                </a:solidFill>
-                <a:latin typeface="Segoe Print" panose="02000600000000000000" pitchFamily="2" charset="0"/>
-                <a:ea typeface="DejaVu Sans"/>
-              </a:rPr>
-              <a:t>кода:</a:t>
-            </a:r>
-          </a:p>
-        </p:txBody>
-      </p:sp>
-      <p:sp>
-        <p:nvSpPr>
-          <p:cNvPr id="8" name="TextBox 7">
-            <a:extLst>
-              <a:ext uri="{FF2B5EF4-FFF2-40B4-BE49-F238E27FC236}">
-                <a16:creationId xmlns:a16="http://schemas.microsoft.com/office/drawing/2014/main" id="{8551876F-92BA-443D-8322-1BE143AE3104}"/>
-              </a:ext>
-            </a:extLst>
-          </p:cNvPr>
-          <p:cNvSpPr txBox="1"/>
-          <p:nvPr/>
-        </p:nvSpPr>
-        <p:spPr>
-          <a:xfrm>
-            <a:off x="6514049" y="2980080"/>
-            <a:ext cx="6096000" cy="1815882"/>
-          </a:xfrm>
-          <a:prstGeom prst="rect">
-            <a:avLst/>
-          </a:prstGeom>
-          <a:noFill/>
-        </p:spPr>
-        <p:txBody>
-          <a:bodyPr wrap="square">
-            <a:spAutoFit/>
-          </a:bodyPr>
-          <a:lstStyle/>
-          <a:p>
-            <a:r>
-              <a:rPr lang="ru-RU" sz="2800" spc="-1" dirty="0">
-                <a:solidFill>
-                  <a:srgbClr val="030303"/>
-                </a:solidFill>
-                <a:latin typeface="Calibri"/>
-                <a:ea typeface="DejaVu Sans"/>
-              </a:rPr>
-              <a:t>//Пример кода</a:t>
-            </a:r>
-          </a:p>
-          <a:p>
-            <a:r>
-              <a:rPr lang="ru-RU" sz="2800" spc="-1" dirty="0" err="1">
-                <a:solidFill>
-                  <a:srgbClr val="030303"/>
-                </a:solidFill>
-                <a:latin typeface="Calibri"/>
-                <a:ea typeface="DejaVu Sans"/>
-              </a:rPr>
-              <a:t>boolean</a:t>
-            </a:r>
-            <a:r>
-              <a:rPr lang="ru-RU" sz="2800" spc="-1" dirty="0">
-                <a:solidFill>
-                  <a:srgbClr val="030303"/>
-                </a:solidFill>
-                <a:latin typeface="Calibri"/>
-                <a:ea typeface="DejaVu Sans"/>
-              </a:rPr>
-              <a:t> </a:t>
-            </a:r>
-            <a:r>
-              <a:rPr lang="ru-RU" sz="2800" spc="-1" dirty="0" err="1">
-                <a:solidFill>
-                  <a:srgbClr val="030303"/>
-                </a:solidFill>
-                <a:latin typeface="Calibri"/>
-                <a:ea typeface="DejaVu Sans"/>
-              </a:rPr>
-              <a:t>value</a:t>
-            </a:r>
-            <a:r>
-              <a:rPr lang="ru-RU" sz="2800" spc="-1" dirty="0">
-                <a:solidFill>
-                  <a:srgbClr val="030303"/>
-                </a:solidFill>
-                <a:latin typeface="Calibri"/>
-                <a:ea typeface="DejaVu Sans"/>
-              </a:rPr>
-              <a:t> = </a:t>
-            </a:r>
-            <a:r>
-              <a:rPr lang="ru-RU" sz="2800" spc="-1" dirty="0" err="1">
-                <a:solidFill>
-                  <a:srgbClr val="030303"/>
-                </a:solidFill>
-                <a:latin typeface="Calibri"/>
-                <a:ea typeface="DejaVu Sans"/>
-              </a:rPr>
-              <a:t>true</a:t>
-            </a:r>
-            <a:r>
-              <a:rPr lang="ru-RU" sz="2800" spc="-1" dirty="0">
-                <a:solidFill>
-                  <a:srgbClr val="030303"/>
-                </a:solidFill>
-                <a:latin typeface="Calibri"/>
-                <a:ea typeface="DejaVu Sans"/>
-              </a:rPr>
-              <a:t>; </a:t>
-            </a:r>
-            <a:endParaRPr lang="en-US" sz="2800" spc="-1" dirty="0">
-              <a:solidFill>
-                <a:srgbClr val="030303"/>
-              </a:solidFill>
-              <a:latin typeface="Calibri"/>
-              <a:ea typeface="DejaVu Sans"/>
-            </a:endParaRPr>
-          </a:p>
-          <a:p>
-            <a:r>
-              <a:rPr lang="ru-RU" sz="2800" spc="-1" dirty="0" err="1">
-                <a:solidFill>
-                  <a:srgbClr val="030303"/>
-                </a:solidFill>
-                <a:latin typeface="Calibri"/>
-                <a:ea typeface="DejaVu Sans"/>
-              </a:rPr>
-              <a:t>boolean</a:t>
-            </a:r>
-            <a:r>
-              <a:rPr lang="ru-RU" sz="2800" spc="-1" dirty="0">
-                <a:solidFill>
-                  <a:srgbClr val="030303"/>
-                </a:solidFill>
-                <a:latin typeface="Calibri"/>
-                <a:ea typeface="DejaVu Sans"/>
-              </a:rPr>
-              <a:t> </a:t>
-            </a:r>
-            <a:r>
-              <a:rPr lang="ru-RU" sz="2800" spc="-1" dirty="0" err="1">
-                <a:solidFill>
-                  <a:srgbClr val="030303"/>
-                </a:solidFill>
-                <a:latin typeface="Calibri"/>
-                <a:ea typeface="DejaVu Sans"/>
-              </a:rPr>
-              <a:t>value</a:t>
-            </a:r>
-            <a:r>
-              <a:rPr lang="ru-RU" sz="2800" spc="-1" dirty="0">
-                <a:solidFill>
-                  <a:srgbClr val="030303"/>
-                </a:solidFill>
-                <a:latin typeface="Calibri"/>
-                <a:ea typeface="DejaVu Sans"/>
-              </a:rPr>
-              <a:t> = </a:t>
-            </a:r>
-            <a:r>
-              <a:rPr lang="en-US" sz="2800" spc="-1" dirty="0">
-                <a:solidFill>
-                  <a:srgbClr val="030303"/>
-                </a:solidFill>
-                <a:latin typeface="Calibri"/>
-                <a:ea typeface="DejaVu Sans"/>
-              </a:rPr>
-              <a:t>false</a:t>
-            </a:r>
-            <a:r>
-              <a:rPr lang="ru-RU" sz="2800" spc="-1" dirty="0">
-                <a:solidFill>
-                  <a:srgbClr val="030303"/>
-                </a:solidFill>
-                <a:latin typeface="Calibri"/>
-                <a:ea typeface="DejaVu Sans"/>
-              </a:rPr>
-              <a:t>; </a:t>
-            </a:r>
-          </a:p>
-          <a:p>
+              <a:t>Преобразования строк</a:t>
+            </a:r>
             <a:endParaRPr lang="ru-RU" sz="2800" spc="-1" dirty="0">
               <a:solidFill>
-                <a:srgbClr val="030303"/>
+                <a:srgbClr val="7030A0"/>
               </a:solidFill>
-              <a:latin typeface="Calibri"/>
-              <a:ea typeface="DejaVu Sans"/>
+              <a:latin typeface="Segoe Print" panose="02000600000000000000" pitchFamily="2" charset="0"/>
             </a:endParaRPr>
           </a:p>
         </p:txBody>
       </p:sp>
     </p:spTree>
+    <p:extLst>
+      <p:ext uri="{BB962C8B-B14F-4D97-AF65-F5344CB8AC3E}">
+        <p14:creationId xmlns:p14="http://schemas.microsoft.com/office/powerpoint/2010/main" val="4133973952"/>
+      </p:ext>
+    </p:extLst>
   </p:cSld>
   <p:clrMapOvr>
     <a:masterClrMapping/>
@@ -16742,7 +18715,7 @@
 </p:sld>
 </file>
 
-<file path=ppt/slides/slide4.xml><?xml version="1.0" encoding="utf-8"?>
+<file path=ppt/slides/slide5.xml><?xml version="1.0" encoding="utf-8"?>
 <p:sld xmlns:a="http://schemas.openxmlformats.org/drawingml/2006/main" xmlns:r="http://schemas.openxmlformats.org/officeDocument/2006/relationships" xmlns:p="http://schemas.openxmlformats.org/presentationml/2006/main">
   <p:cSld>
     <p:spTree>
@@ -17288,7 +19261,7 @@
 </p:sld>
 </file>
 
-<file path=ppt/slides/slide5.xml><?xml version="1.0" encoding="utf-8"?>
+<file path=ppt/slides/slide6.xml><?xml version="1.0" encoding="utf-8"?>
 <p:sld xmlns:a="http://schemas.openxmlformats.org/drawingml/2006/main" xmlns:r="http://schemas.openxmlformats.org/officeDocument/2006/relationships" xmlns:p="http://schemas.openxmlformats.org/presentationml/2006/main">
   <p:cSld>
     <p:spTree>
@@ -17553,7 +19526,7 @@
 </p:sld>
 </file>
 
-<file path=ppt/slides/slide6.xml><?xml version="1.0" encoding="utf-8"?>
+<file path=ppt/slides/slide7.xml><?xml version="1.0" encoding="utf-8"?>
 <p:sld xmlns:a="http://schemas.openxmlformats.org/drawingml/2006/main" xmlns:r="http://schemas.openxmlformats.org/officeDocument/2006/relationships" xmlns:p="http://schemas.openxmlformats.org/presentationml/2006/main">
   <p:cSld>
     <p:spTree>
@@ -17684,7 +19657,7 @@
 </p:sld>
 </file>
 
-<file path=ppt/slides/slide7.xml><?xml version="1.0" encoding="utf-8"?>
+<file path=ppt/slides/slide8.xml><?xml version="1.0" encoding="utf-8"?>
 <p:sld xmlns:a="http://schemas.openxmlformats.org/drawingml/2006/main" xmlns:r="http://schemas.openxmlformats.org/officeDocument/2006/relationships" xmlns:p="http://schemas.openxmlformats.org/presentationml/2006/main">
   <p:cSld>
     <p:spTree>
@@ -18103,7 +20076,7 @@
 </p:sld>
 </file>
 
-<file path=ppt/slides/slide8.xml><?xml version="1.0" encoding="utf-8"?>
+<file path=ppt/slides/slide9.xml><?xml version="1.0" encoding="utf-8"?>
 <p:sld xmlns:a="http://schemas.openxmlformats.org/drawingml/2006/main" xmlns:r="http://schemas.openxmlformats.org/officeDocument/2006/relationships" xmlns:p="http://schemas.openxmlformats.org/presentationml/2006/main">
   <p:cSld>
     <p:spTree>
@@ -18692,1041 +20665,6 @@
         <p14:creationId xmlns:p14="http://schemas.microsoft.com/office/powerpoint/2010/main" val="1715928249"/>
       </p:ext>
     </p:extLst>
-  </p:cSld>
-  <p:clrMapOvr>
-    <a:masterClrMapping/>
-  </p:clrMapOvr>
-</p:sld>
-</file>
-
-<file path=ppt/slides/slide9.xml><?xml version="1.0" encoding="utf-8"?>
-<p:sld xmlns:a="http://schemas.openxmlformats.org/drawingml/2006/main" xmlns:r="http://schemas.openxmlformats.org/officeDocument/2006/relationships" xmlns:p="http://schemas.openxmlformats.org/presentationml/2006/main">
-  <p:cSld>
-    <p:spTree>
-      <p:nvGrpSpPr>
-        <p:cNvPr id="1" name=""/>
-        <p:cNvGrpSpPr/>
-        <p:nvPr/>
-      </p:nvGrpSpPr>
-      <p:grpSpPr>
-        <a:xfrm>
-          <a:off x="0" y="0"/>
-          <a:ext cx="0" cy="0"/>
-          <a:chOff x="0" y="0"/>
-          <a:chExt cx="0" cy="0"/>
-        </a:xfrm>
-      </p:grpSpPr>
-      <p:sp>
-        <p:nvSpPr>
-          <p:cNvPr id="82" name="CustomShape 1"/>
-          <p:cNvSpPr/>
-          <p:nvPr/>
-        </p:nvSpPr>
-        <p:spPr>
-          <a:xfrm>
-            <a:off x="2152560" y="297720"/>
-            <a:ext cx="7882920" cy="759240"/>
-          </a:xfrm>
-          <a:prstGeom prst="rect">
-            <a:avLst/>
-          </a:prstGeom>
-          <a:noFill/>
-          <a:ln>
-            <a:noFill/>
-          </a:ln>
-        </p:spPr>
-        <p:style>
-          <a:lnRef idx="0">
-            <a:scrgbClr r="0" g="0" b="0"/>
-          </a:lnRef>
-          <a:fillRef idx="0">
-            <a:scrgbClr r="0" g="0" b="0"/>
-          </a:fillRef>
-          <a:effectRef idx="0">
-            <a:scrgbClr r="0" g="0" b="0"/>
-          </a:effectRef>
-          <a:fontRef idx="minor"/>
-        </p:style>
-        <p:txBody>
-          <a:bodyPr lIns="90000" tIns="45000" rIns="90000" bIns="45000" anchor="ctr">
-            <a:normAutofit/>
-          </a:bodyPr>
-          <a:lstStyle/>
-          <a:p>
-            <a:pPr algn="ctr">
-              <a:lnSpc>
-                <a:spcPct val="90000"/>
-              </a:lnSpc>
-            </a:pPr>
-            <a:r>
-              <a:rPr lang="ru-RU" sz="4000" b="1" spc="-1">
-                <a:solidFill>
-                  <a:srgbClr val="203864"/>
-                </a:solidFill>
-                <a:latin typeface="Calibri"/>
-                <a:ea typeface="DejaVu Sans"/>
-              </a:rPr>
-              <a:t>Арифметические операции</a:t>
-            </a:r>
-            <a:endParaRPr lang="ru-RU" sz="4000" spc="-1">
-              <a:latin typeface="Arial"/>
-            </a:endParaRPr>
-          </a:p>
-        </p:txBody>
-      </p:sp>
-      <p:sp>
-        <p:nvSpPr>
-          <p:cNvPr id="83" name="CustomShape 2"/>
-          <p:cNvSpPr/>
-          <p:nvPr/>
-        </p:nvSpPr>
-        <p:spPr>
-          <a:xfrm>
-            <a:off x="1956000" y="1584000"/>
-            <a:ext cx="2230200" cy="1222560"/>
-          </a:xfrm>
-          <a:prstGeom prst="rect">
-            <a:avLst/>
-          </a:prstGeom>
-          <a:solidFill>
-            <a:srgbClr val="729FCF"/>
-          </a:solidFill>
-          <a:ln>
-            <a:solidFill>
-              <a:srgbClr val="3465A4"/>
-            </a:solidFill>
-          </a:ln>
-        </p:spPr>
-        <p:style>
-          <a:lnRef idx="0">
-            <a:scrgbClr r="0" g="0" b="0"/>
-          </a:lnRef>
-          <a:fillRef idx="0">
-            <a:scrgbClr r="0" g="0" b="0"/>
-          </a:fillRef>
-          <a:effectRef idx="0">
-            <a:scrgbClr r="0" g="0" b="0"/>
-          </a:effectRef>
-          <a:fontRef idx="minor"/>
-        </p:style>
-        <p:txBody>
-          <a:bodyPr wrap="none" lIns="90000" tIns="45000" rIns="90000" bIns="45000" anchor="ctr">
-            <a:noAutofit/>
-          </a:bodyPr>
-          <a:lstStyle/>
-          <a:p>
-            <a:pPr algn="ctr">
-              <a:lnSpc>
-                <a:spcPct val="100000"/>
-              </a:lnSpc>
-            </a:pPr>
-            <a:r>
-              <a:rPr lang="ru-RU" spc="-1" dirty="0">
-                <a:solidFill>
-                  <a:srgbClr val="000000"/>
-                </a:solidFill>
-                <a:latin typeface="Calibri"/>
-                <a:ea typeface="DejaVu Sans"/>
-              </a:rPr>
-              <a:t>Унарные операции:</a:t>
-            </a:r>
-            <a:endParaRPr lang="ru-RU" spc="-1" dirty="0">
-              <a:latin typeface="Arial"/>
-            </a:endParaRPr>
-          </a:p>
-          <a:p>
-            <a:pPr algn="ctr">
-              <a:lnSpc>
-                <a:spcPct val="100000"/>
-              </a:lnSpc>
-            </a:pPr>
-            <a:endParaRPr lang="ru-RU" spc="-1" dirty="0">
-              <a:latin typeface="Arial"/>
-            </a:endParaRPr>
-          </a:p>
-          <a:p>
-            <a:pPr algn="just">
-              <a:lnSpc>
-                <a:spcPct val="100000"/>
-              </a:lnSpc>
-            </a:pPr>
-            <a:r>
-              <a:rPr lang="ru-RU" spc="-1" dirty="0">
-                <a:solidFill>
-                  <a:srgbClr val="000000"/>
-                </a:solidFill>
-                <a:latin typeface="Calibri"/>
-                <a:ea typeface="DejaVu Sans"/>
-              </a:rPr>
-              <a:t> ++ (инкремент)</a:t>
-            </a:r>
-            <a:endParaRPr lang="ru-RU" spc="-1" dirty="0">
-              <a:latin typeface="Arial"/>
-            </a:endParaRPr>
-          </a:p>
-          <a:p>
-            <a:pPr algn="just">
-              <a:lnSpc>
-                <a:spcPct val="100000"/>
-              </a:lnSpc>
-            </a:pPr>
-            <a:r>
-              <a:rPr lang="ru-RU" spc="-1" dirty="0">
-                <a:solidFill>
-                  <a:srgbClr val="000000"/>
-                </a:solidFill>
-                <a:latin typeface="Calibri"/>
-                <a:ea typeface="DejaVu Sans"/>
-              </a:rPr>
-              <a:t> -- (декремент)</a:t>
-            </a:r>
-            <a:endParaRPr lang="ru-RU" spc="-1" dirty="0">
-              <a:latin typeface="Arial"/>
-            </a:endParaRPr>
-          </a:p>
-        </p:txBody>
-      </p:sp>
-      <p:sp>
-        <p:nvSpPr>
-          <p:cNvPr id="84" name="CustomShape 3"/>
-          <p:cNvSpPr/>
-          <p:nvPr/>
-        </p:nvSpPr>
-        <p:spPr>
-          <a:xfrm>
-            <a:off x="4692000" y="1584000"/>
-            <a:ext cx="3022560" cy="4894560"/>
-          </a:xfrm>
-          <a:prstGeom prst="rect">
-            <a:avLst/>
-          </a:prstGeom>
-          <a:solidFill>
-            <a:srgbClr val="729FCF"/>
-          </a:solidFill>
-          <a:ln>
-            <a:solidFill>
-              <a:srgbClr val="3465A4"/>
-            </a:solidFill>
-          </a:ln>
-        </p:spPr>
-        <p:style>
-          <a:lnRef idx="0">
-            <a:scrgbClr r="0" g="0" b="0"/>
-          </a:lnRef>
-          <a:fillRef idx="0">
-            <a:scrgbClr r="0" g="0" b="0"/>
-          </a:fillRef>
-          <a:effectRef idx="0">
-            <a:scrgbClr r="0" g="0" b="0"/>
-          </a:effectRef>
-          <a:fontRef idx="minor"/>
-        </p:style>
-        <p:txBody>
-          <a:bodyPr wrap="none" lIns="90000" tIns="45000" rIns="90000" bIns="45000" anchor="ctr">
-            <a:noAutofit/>
-          </a:bodyPr>
-          <a:lstStyle/>
-          <a:p>
-            <a:pPr algn="ctr">
-              <a:lnSpc>
-                <a:spcPct val="100000"/>
-              </a:lnSpc>
-            </a:pPr>
-            <a:r>
-              <a:rPr lang="ru-RU" spc="-1">
-                <a:solidFill>
-                  <a:srgbClr val="000000"/>
-                </a:solidFill>
-                <a:latin typeface="Calibri"/>
-                <a:ea typeface="DejaVu Sans"/>
-              </a:rPr>
-              <a:t>Бинарные операции:</a:t>
-            </a:r>
-            <a:endParaRPr lang="ru-RU" spc="-1">
-              <a:latin typeface="Arial"/>
-            </a:endParaRPr>
-          </a:p>
-          <a:p>
-            <a:pPr algn="ctr">
-              <a:lnSpc>
-                <a:spcPct val="100000"/>
-              </a:lnSpc>
-            </a:pPr>
-            <a:endParaRPr lang="ru-RU" spc="-1">
-              <a:latin typeface="Arial"/>
-            </a:endParaRPr>
-          </a:p>
-          <a:p>
-            <a:pPr algn="just">
-              <a:lnSpc>
-                <a:spcPct val="100000"/>
-              </a:lnSpc>
-            </a:pPr>
-            <a:r>
-              <a:rPr lang="ru-RU" spc="-1">
-                <a:solidFill>
-                  <a:srgbClr val="000000"/>
-                </a:solidFill>
-                <a:latin typeface="Calibri"/>
-                <a:ea typeface="DejaVu Sans"/>
-              </a:rPr>
-              <a:t>вычитание («-»)</a:t>
-            </a:r>
-            <a:endParaRPr lang="ru-RU" spc="-1">
-              <a:latin typeface="Arial"/>
-            </a:endParaRPr>
-          </a:p>
-          <a:p>
-            <a:pPr algn="just">
-              <a:lnSpc>
-                <a:spcPct val="100000"/>
-              </a:lnSpc>
-            </a:pPr>
-            <a:r>
-              <a:rPr lang="ru-RU" spc="-1">
-                <a:solidFill>
-                  <a:srgbClr val="000000"/>
-                </a:solidFill>
-                <a:latin typeface="Calibri"/>
-                <a:ea typeface="DejaVu Sans"/>
-              </a:rPr>
-              <a:t>сложение («+»)</a:t>
-            </a:r>
-            <a:endParaRPr lang="ru-RU" spc="-1">
-              <a:latin typeface="Arial"/>
-            </a:endParaRPr>
-          </a:p>
-          <a:p>
-            <a:pPr algn="just">
-              <a:lnSpc>
-                <a:spcPct val="100000"/>
-              </a:lnSpc>
-            </a:pPr>
-            <a:r>
-              <a:rPr lang="ru-RU" spc="-1">
-                <a:solidFill>
-                  <a:srgbClr val="000000"/>
-                </a:solidFill>
-                <a:latin typeface="Calibri"/>
-                <a:ea typeface="DejaVu Sans"/>
-              </a:rPr>
-              <a:t>умножение («*»)</a:t>
-            </a:r>
-            <a:endParaRPr lang="ru-RU" spc="-1">
-              <a:latin typeface="Arial"/>
-            </a:endParaRPr>
-          </a:p>
-          <a:p>
-            <a:pPr algn="just">
-              <a:lnSpc>
-                <a:spcPct val="100000"/>
-              </a:lnSpc>
-            </a:pPr>
-            <a:r>
-              <a:rPr lang="ru-RU" spc="-1">
-                <a:solidFill>
-                  <a:srgbClr val="000000"/>
-                </a:solidFill>
-                <a:latin typeface="Calibri"/>
-                <a:ea typeface="DejaVu Sans"/>
-              </a:rPr>
-              <a:t>деление («/»)</a:t>
-            </a:r>
-            <a:endParaRPr lang="ru-RU" spc="-1">
-              <a:latin typeface="Arial"/>
-            </a:endParaRPr>
-          </a:p>
-          <a:p>
-            <a:pPr algn="just">
-              <a:lnSpc>
-                <a:spcPct val="100000"/>
-              </a:lnSpc>
-            </a:pPr>
-            <a:r>
-              <a:rPr lang="ru-RU" spc="-1">
-                <a:solidFill>
-                  <a:srgbClr val="000000"/>
-                </a:solidFill>
-                <a:latin typeface="Calibri"/>
-                <a:ea typeface="DejaVu Sans"/>
-              </a:rPr>
-              <a:t>остаток от деления («%»)</a:t>
-            </a:r>
-            <a:endParaRPr lang="ru-RU" spc="-1">
-              <a:latin typeface="Arial"/>
-            </a:endParaRPr>
-          </a:p>
-          <a:p>
-            <a:pPr algn="just">
-              <a:lnSpc>
-                <a:spcPct val="100000"/>
-              </a:lnSpc>
-            </a:pPr>
-            <a:endParaRPr lang="ru-RU" spc="-1">
-              <a:latin typeface="Arial"/>
-            </a:endParaRPr>
-          </a:p>
-          <a:p>
-            <a:pPr algn="just">
-              <a:lnSpc>
-                <a:spcPct val="100000"/>
-              </a:lnSpc>
-            </a:pPr>
-            <a:r>
-              <a:rPr lang="ru-RU" spc="-1">
-                <a:solidFill>
-                  <a:srgbClr val="000000"/>
-                </a:solidFill>
-                <a:latin typeface="Calibri"/>
-                <a:ea typeface="DejaVu Sans"/>
-              </a:rPr>
-              <a:t>int a = 10;</a:t>
-            </a:r>
-            <a:endParaRPr lang="ru-RU" spc="-1">
-              <a:latin typeface="Arial"/>
-            </a:endParaRPr>
-          </a:p>
-          <a:p>
-            <a:pPr algn="just">
-              <a:lnSpc>
-                <a:spcPct val="100000"/>
-              </a:lnSpc>
-            </a:pPr>
-            <a:r>
-              <a:rPr lang="ru-RU" spc="-1">
-                <a:solidFill>
-                  <a:srgbClr val="000000"/>
-                </a:solidFill>
-                <a:latin typeface="Calibri"/>
-                <a:ea typeface="DejaVu Sans"/>
-              </a:rPr>
-              <a:t>int b = 7;</a:t>
-            </a:r>
-            <a:endParaRPr lang="ru-RU" spc="-1">
-              <a:latin typeface="Arial"/>
-            </a:endParaRPr>
-          </a:p>
-          <a:p>
-            <a:pPr algn="just">
-              <a:lnSpc>
-                <a:spcPct val="100000"/>
-              </a:lnSpc>
-            </a:pPr>
-            <a:r>
-              <a:rPr lang="ru-RU" spc="-1">
-                <a:solidFill>
-                  <a:srgbClr val="000000"/>
-                </a:solidFill>
-                <a:latin typeface="Calibri"/>
-                <a:ea typeface="DejaVu Sans"/>
-              </a:rPr>
-              <a:t>int c = a + b;                  // 17</a:t>
-            </a:r>
-            <a:endParaRPr lang="ru-RU" spc="-1">
-              <a:latin typeface="Arial"/>
-            </a:endParaRPr>
-          </a:p>
-          <a:p>
-            <a:pPr algn="just">
-              <a:lnSpc>
-                <a:spcPct val="100000"/>
-              </a:lnSpc>
-            </a:pPr>
-            <a:r>
-              <a:rPr lang="ru-RU" spc="-1">
-                <a:solidFill>
-                  <a:srgbClr val="000000"/>
-                </a:solidFill>
-                <a:latin typeface="Calibri"/>
-                <a:ea typeface="DejaVu Sans"/>
-              </a:rPr>
-              <a:t>int d = 4 – a;                  // -6 </a:t>
-            </a:r>
-            <a:endParaRPr lang="ru-RU" spc="-1">
-              <a:latin typeface="Arial"/>
-            </a:endParaRPr>
-          </a:p>
-          <a:p>
-            <a:pPr algn="just">
-              <a:lnSpc>
-                <a:spcPct val="100000"/>
-              </a:lnSpc>
-            </a:pPr>
-            <a:r>
-              <a:rPr lang="ru-RU" spc="-1">
-                <a:solidFill>
-                  <a:srgbClr val="000000"/>
-                </a:solidFill>
-                <a:latin typeface="Calibri"/>
-                <a:ea typeface="DejaVu Sans"/>
-              </a:rPr>
-              <a:t>int k = b * 5;                  // 35</a:t>
-            </a:r>
-            <a:endParaRPr lang="ru-RU" spc="-1">
-              <a:latin typeface="Arial"/>
-            </a:endParaRPr>
-          </a:p>
-          <a:p>
-            <a:pPr algn="just">
-              <a:lnSpc>
-                <a:spcPct val="100000"/>
-              </a:lnSpc>
-            </a:pPr>
-            <a:r>
-              <a:rPr lang="ru-RU" spc="-1">
-                <a:solidFill>
-                  <a:srgbClr val="000000"/>
-                </a:solidFill>
-                <a:latin typeface="Calibri"/>
-                <a:ea typeface="DejaVu Sans"/>
-              </a:rPr>
-              <a:t>int i = a / b;                   // 1</a:t>
-            </a:r>
-            <a:endParaRPr lang="ru-RU" spc="-1">
-              <a:latin typeface="Arial"/>
-            </a:endParaRPr>
-          </a:p>
-          <a:p>
-            <a:pPr algn="just">
-              <a:lnSpc>
-                <a:spcPct val="100000"/>
-              </a:lnSpc>
-            </a:pPr>
-            <a:endParaRPr lang="ru-RU" spc="-1">
-              <a:latin typeface="Arial"/>
-            </a:endParaRPr>
-          </a:p>
-          <a:p>
-            <a:pPr algn="just">
-              <a:lnSpc>
-                <a:spcPct val="100000"/>
-              </a:lnSpc>
-            </a:pPr>
-            <a:r>
-              <a:rPr lang="ru-RU" spc="-1">
-                <a:solidFill>
-                  <a:srgbClr val="000000"/>
-                </a:solidFill>
-                <a:latin typeface="Calibri"/>
-                <a:ea typeface="DejaVu Sans"/>
-              </a:rPr>
-              <a:t>double k = 10.0 / 4;    // 2.5 </a:t>
-            </a:r>
-            <a:endParaRPr lang="ru-RU" spc="-1">
-              <a:latin typeface="Arial"/>
-            </a:endParaRPr>
-          </a:p>
-          <a:p>
-            <a:pPr algn="just">
-              <a:lnSpc>
-                <a:spcPct val="100000"/>
-              </a:lnSpc>
-            </a:pPr>
-            <a:r>
-              <a:rPr lang="ru-RU" spc="-1">
-                <a:solidFill>
-                  <a:srgbClr val="000000"/>
-                </a:solidFill>
-                <a:latin typeface="Calibri"/>
-                <a:ea typeface="DejaVu Sans"/>
-              </a:rPr>
-              <a:t>int j = a % b;                // 3</a:t>
-            </a:r>
-            <a:endParaRPr lang="ru-RU" spc="-1">
-              <a:latin typeface="Arial"/>
-            </a:endParaRPr>
-          </a:p>
-        </p:txBody>
-      </p:sp>
-      <p:sp>
-        <p:nvSpPr>
-          <p:cNvPr id="85" name="CustomShape 4"/>
-          <p:cNvSpPr/>
-          <p:nvPr/>
-        </p:nvSpPr>
-        <p:spPr>
-          <a:xfrm>
-            <a:off x="8220000" y="1584000"/>
-            <a:ext cx="2158200" cy="574200"/>
-          </a:xfrm>
-          <a:prstGeom prst="rect">
-            <a:avLst/>
-          </a:prstGeom>
-          <a:solidFill>
-            <a:srgbClr val="729FCF"/>
-          </a:solidFill>
-          <a:ln>
-            <a:solidFill>
-              <a:srgbClr val="3465A4"/>
-            </a:solidFill>
-          </a:ln>
-        </p:spPr>
-        <p:style>
-          <a:lnRef idx="0">
-            <a:scrgbClr r="0" g="0" b="0"/>
-          </a:lnRef>
-          <a:fillRef idx="0">
-            <a:scrgbClr r="0" g="0" b="0"/>
-          </a:fillRef>
-          <a:effectRef idx="0">
-            <a:scrgbClr r="0" g="0" b="0"/>
-          </a:effectRef>
-          <a:fontRef idx="minor"/>
-        </p:style>
-        <p:txBody>
-          <a:bodyPr wrap="none" lIns="90000" tIns="45000" rIns="90000" bIns="45000" anchor="ctr">
-            <a:noAutofit/>
-          </a:bodyPr>
-          <a:lstStyle/>
-          <a:p>
-            <a:pPr algn="ctr">
-              <a:lnSpc>
-                <a:spcPct val="100000"/>
-              </a:lnSpc>
-            </a:pPr>
-            <a:r>
-              <a:rPr lang="ru-RU" spc="-1">
-                <a:solidFill>
-                  <a:srgbClr val="000000"/>
-                </a:solidFill>
-                <a:latin typeface="Calibri"/>
-                <a:ea typeface="DejaVu Sans"/>
-              </a:rPr>
-              <a:t>Тернарные</a:t>
-            </a:r>
-            <a:endParaRPr lang="ru-RU" spc="-1">
-              <a:latin typeface="Arial"/>
-            </a:endParaRPr>
-          </a:p>
-        </p:txBody>
-      </p:sp>
-      <p:sp>
-        <p:nvSpPr>
-          <p:cNvPr id="86" name="CustomShape 5"/>
-          <p:cNvSpPr/>
-          <p:nvPr/>
-        </p:nvSpPr>
-        <p:spPr>
-          <a:xfrm>
-            <a:off x="2028000" y="3096000"/>
-            <a:ext cx="2014560" cy="1654560"/>
-          </a:xfrm>
-          <a:prstGeom prst="rect">
-            <a:avLst/>
-          </a:prstGeom>
-          <a:solidFill>
-            <a:srgbClr val="729FCF"/>
-          </a:solidFill>
-          <a:ln>
-            <a:solidFill>
-              <a:srgbClr val="3465A4"/>
-            </a:solidFill>
-          </a:ln>
-        </p:spPr>
-        <p:style>
-          <a:lnRef idx="0">
-            <a:scrgbClr r="0" g="0" b="0"/>
-          </a:lnRef>
-          <a:fillRef idx="0">
-            <a:scrgbClr r="0" g="0" b="0"/>
-          </a:fillRef>
-          <a:effectRef idx="0">
-            <a:scrgbClr r="0" g="0" b="0"/>
-          </a:effectRef>
-          <a:fontRef idx="minor"/>
-        </p:style>
-        <p:txBody>
-          <a:bodyPr wrap="none" lIns="90000" tIns="45000" rIns="90000" bIns="45000" anchor="ctr">
-            <a:noAutofit/>
-          </a:bodyPr>
-          <a:lstStyle/>
-          <a:p>
-            <a:pPr algn="ctr">
-              <a:lnSpc>
-                <a:spcPct val="100000"/>
-              </a:lnSpc>
-            </a:pPr>
-            <a:r>
-              <a:rPr lang="ru-RU" spc="-1">
-                <a:solidFill>
-                  <a:srgbClr val="000000"/>
-                </a:solidFill>
-                <a:latin typeface="Calibri"/>
-                <a:ea typeface="DejaVu Sans"/>
-              </a:rPr>
-              <a:t>Префиксные</a:t>
-            </a:r>
-            <a:endParaRPr lang="ru-RU" spc="-1">
-              <a:latin typeface="Arial"/>
-            </a:endParaRPr>
-          </a:p>
-          <a:p>
-            <a:pPr algn="ctr">
-              <a:lnSpc>
-                <a:spcPct val="100000"/>
-              </a:lnSpc>
-            </a:pPr>
-            <a:r>
-              <a:rPr lang="ru-RU" spc="-1">
-                <a:solidFill>
-                  <a:srgbClr val="000000"/>
-                </a:solidFill>
-                <a:latin typeface="Calibri"/>
-                <a:ea typeface="DejaVu Sans"/>
-              </a:rPr>
-              <a:t> операции:</a:t>
-            </a:r>
-            <a:endParaRPr lang="ru-RU" spc="-1">
-              <a:latin typeface="Arial"/>
-            </a:endParaRPr>
-          </a:p>
-          <a:p>
-            <a:pPr algn="ctr">
-              <a:lnSpc>
-                <a:spcPct val="100000"/>
-              </a:lnSpc>
-            </a:pPr>
-            <a:endParaRPr lang="ru-RU" spc="-1">
-              <a:latin typeface="Arial"/>
-            </a:endParaRPr>
-          </a:p>
-          <a:p>
-            <a:pPr algn="just">
-              <a:lnSpc>
-                <a:spcPct val="100000"/>
-              </a:lnSpc>
-            </a:pPr>
-            <a:r>
-              <a:rPr lang="ru-RU" spc="-1">
-                <a:solidFill>
-                  <a:srgbClr val="000000"/>
-                </a:solidFill>
-                <a:latin typeface="Calibri"/>
-                <a:ea typeface="DejaVu Sans"/>
-              </a:rPr>
-              <a:t>int a = 8;</a:t>
-            </a:r>
-            <a:endParaRPr lang="ru-RU" spc="-1">
-              <a:latin typeface="Arial"/>
-            </a:endParaRPr>
-          </a:p>
-          <a:p>
-            <a:pPr algn="just">
-              <a:lnSpc>
-                <a:spcPct val="100000"/>
-              </a:lnSpc>
-            </a:pPr>
-            <a:r>
-              <a:rPr lang="ru-RU" spc="-1">
-                <a:solidFill>
-                  <a:srgbClr val="000000"/>
-                </a:solidFill>
-                <a:latin typeface="Calibri"/>
-                <a:ea typeface="Microsoft YaHei"/>
-              </a:rPr>
-              <a:t>int </a:t>
-            </a:r>
-            <a:r>
-              <a:rPr lang="ru-RU" spc="-1">
-                <a:solidFill>
-                  <a:srgbClr val="000000"/>
-                </a:solidFill>
-                <a:latin typeface="Calibri"/>
-                <a:ea typeface="DejaVu Sans"/>
-              </a:rPr>
-              <a:t>prefI = ++a;  //9</a:t>
-            </a:r>
-            <a:endParaRPr lang="ru-RU" spc="-1">
-              <a:latin typeface="Arial"/>
-            </a:endParaRPr>
-          </a:p>
-          <a:p>
-            <a:pPr algn="just">
-              <a:lnSpc>
-                <a:spcPct val="100000"/>
-              </a:lnSpc>
-            </a:pPr>
-            <a:r>
-              <a:rPr lang="ru-RU" spc="-1">
-                <a:solidFill>
-                  <a:srgbClr val="000000"/>
-                </a:solidFill>
-                <a:latin typeface="Calibri"/>
-                <a:ea typeface="Microsoft YaHei"/>
-              </a:rPr>
-              <a:t>int </a:t>
-            </a:r>
-            <a:r>
-              <a:rPr lang="ru-RU" spc="-1">
-                <a:solidFill>
-                  <a:srgbClr val="000000"/>
-                </a:solidFill>
-                <a:latin typeface="Calibri"/>
-                <a:ea typeface="DejaVu Sans"/>
-              </a:rPr>
-              <a:t>prefD = --a;  //8</a:t>
-            </a:r>
-            <a:endParaRPr lang="ru-RU" spc="-1">
-              <a:latin typeface="Arial"/>
-            </a:endParaRPr>
-          </a:p>
-        </p:txBody>
-      </p:sp>
-      <p:sp>
-        <p:nvSpPr>
-          <p:cNvPr id="87" name="CustomShape 6"/>
-          <p:cNvSpPr/>
-          <p:nvPr/>
-        </p:nvSpPr>
-        <p:spPr>
-          <a:xfrm>
-            <a:off x="2028000" y="4968000"/>
-            <a:ext cx="2014560" cy="1654200"/>
-          </a:xfrm>
-          <a:prstGeom prst="rect">
-            <a:avLst/>
-          </a:prstGeom>
-          <a:solidFill>
-            <a:srgbClr val="729FCF"/>
-          </a:solidFill>
-          <a:ln>
-            <a:solidFill>
-              <a:srgbClr val="3465A4"/>
-            </a:solidFill>
-          </a:ln>
-        </p:spPr>
-        <p:style>
-          <a:lnRef idx="0">
-            <a:scrgbClr r="0" g="0" b="0"/>
-          </a:lnRef>
-          <a:fillRef idx="0">
-            <a:scrgbClr r="0" g="0" b="0"/>
-          </a:fillRef>
-          <a:effectRef idx="0">
-            <a:scrgbClr r="0" g="0" b="0"/>
-          </a:effectRef>
-          <a:fontRef idx="minor"/>
-        </p:style>
-        <p:txBody>
-          <a:bodyPr wrap="none" lIns="90000" tIns="45000" rIns="90000" bIns="45000" anchor="ctr">
-            <a:noAutofit/>
-          </a:bodyPr>
-          <a:lstStyle/>
-          <a:p>
-            <a:pPr algn="ctr">
-              <a:lnSpc>
-                <a:spcPct val="100000"/>
-              </a:lnSpc>
-            </a:pPr>
-            <a:r>
-              <a:rPr lang="ru-RU" spc="-1">
-                <a:solidFill>
-                  <a:srgbClr val="000000"/>
-                </a:solidFill>
-                <a:latin typeface="Calibri"/>
-                <a:ea typeface="DejaVu Sans"/>
-              </a:rPr>
-              <a:t>Постфиксные</a:t>
-            </a:r>
-            <a:endParaRPr lang="ru-RU" spc="-1">
-              <a:latin typeface="Arial"/>
-            </a:endParaRPr>
-          </a:p>
-          <a:p>
-            <a:pPr algn="ctr">
-              <a:lnSpc>
-                <a:spcPct val="100000"/>
-              </a:lnSpc>
-            </a:pPr>
-            <a:r>
-              <a:rPr lang="ru-RU" spc="-1">
-                <a:solidFill>
-                  <a:srgbClr val="000000"/>
-                </a:solidFill>
-                <a:latin typeface="Calibri"/>
-                <a:ea typeface="DejaVu Sans"/>
-              </a:rPr>
-              <a:t> операции:</a:t>
-            </a:r>
-            <a:endParaRPr lang="ru-RU" spc="-1">
-              <a:latin typeface="Arial"/>
-            </a:endParaRPr>
-          </a:p>
-          <a:p>
-            <a:pPr algn="ctr">
-              <a:lnSpc>
-                <a:spcPct val="100000"/>
-              </a:lnSpc>
-            </a:pPr>
-            <a:endParaRPr lang="ru-RU" spc="-1">
-              <a:latin typeface="Arial"/>
-            </a:endParaRPr>
-          </a:p>
-          <a:p>
-            <a:pPr algn="just">
-              <a:lnSpc>
-                <a:spcPct val="100000"/>
-              </a:lnSpc>
-            </a:pPr>
-            <a:r>
-              <a:rPr lang="ru-RU" spc="-1">
-                <a:solidFill>
-                  <a:srgbClr val="000000"/>
-                </a:solidFill>
-                <a:latin typeface="Calibri"/>
-                <a:ea typeface="DejaVu Sans"/>
-              </a:rPr>
-              <a:t>int a = 8;</a:t>
-            </a:r>
-            <a:endParaRPr lang="ru-RU" spc="-1">
-              <a:latin typeface="Arial"/>
-            </a:endParaRPr>
-          </a:p>
-          <a:p>
-            <a:pPr algn="just">
-              <a:lnSpc>
-                <a:spcPct val="100000"/>
-              </a:lnSpc>
-            </a:pPr>
-            <a:r>
-              <a:rPr lang="ru-RU" spc="-1">
-                <a:solidFill>
-                  <a:srgbClr val="000000"/>
-                </a:solidFill>
-                <a:latin typeface="Calibri"/>
-                <a:ea typeface="DejaVu Sans"/>
-              </a:rPr>
-              <a:t>int postI = a++;  //8</a:t>
-            </a:r>
-            <a:endParaRPr lang="ru-RU" spc="-1">
-              <a:latin typeface="Arial"/>
-            </a:endParaRPr>
-          </a:p>
-          <a:p>
-            <a:pPr algn="just">
-              <a:lnSpc>
-                <a:spcPct val="100000"/>
-              </a:lnSpc>
-            </a:pPr>
-            <a:r>
-              <a:rPr lang="ru-RU" spc="-1">
-                <a:solidFill>
-                  <a:srgbClr val="000000"/>
-                </a:solidFill>
-                <a:latin typeface="Calibri"/>
-                <a:ea typeface="DejaVu Sans"/>
-              </a:rPr>
-              <a:t>int postD = a--;  //9</a:t>
-            </a:r>
-            <a:endParaRPr lang="ru-RU" spc="-1">
-              <a:latin typeface="Arial"/>
-            </a:endParaRPr>
-          </a:p>
-        </p:txBody>
-      </p:sp>
-      <p:sp>
-        <p:nvSpPr>
-          <p:cNvPr id="88" name="Line 7"/>
-          <p:cNvSpPr/>
-          <p:nvPr/>
-        </p:nvSpPr>
-        <p:spPr>
-          <a:xfrm flipH="1">
-            <a:off x="3396000" y="936000"/>
-            <a:ext cx="504000" cy="648000"/>
-          </a:xfrm>
-          <a:prstGeom prst="line">
-            <a:avLst/>
-          </a:prstGeom>
-          <a:ln>
-            <a:solidFill>
-              <a:srgbClr val="3465A4"/>
-            </a:solidFill>
-            <a:tailEnd type="triangle" w="med" len="med"/>
-          </a:ln>
-        </p:spPr>
-        <p:style>
-          <a:lnRef idx="0">
-            <a:scrgbClr r="0" g="0" b="0"/>
-          </a:lnRef>
-          <a:fillRef idx="0">
-            <a:scrgbClr r="0" g="0" b="0"/>
-          </a:fillRef>
-          <a:effectRef idx="0">
-            <a:scrgbClr r="0" g="0" b="0"/>
-          </a:effectRef>
-          <a:fontRef idx="minor"/>
-        </p:style>
-      </p:sp>
-      <p:sp>
-        <p:nvSpPr>
-          <p:cNvPr id="89" name="Line 8"/>
-          <p:cNvSpPr/>
-          <p:nvPr/>
-        </p:nvSpPr>
-        <p:spPr>
-          <a:xfrm>
-            <a:off x="5988000" y="1008000"/>
-            <a:ext cx="0" cy="576000"/>
-          </a:xfrm>
-          <a:prstGeom prst="line">
-            <a:avLst/>
-          </a:prstGeom>
-          <a:ln>
-            <a:solidFill>
-              <a:srgbClr val="3465A4"/>
-            </a:solidFill>
-            <a:tailEnd type="triangle" w="med" len="med"/>
-          </a:ln>
-        </p:spPr>
-        <p:style>
-          <a:lnRef idx="0">
-            <a:scrgbClr r="0" g="0" b="0"/>
-          </a:lnRef>
-          <a:fillRef idx="0">
-            <a:scrgbClr r="0" g="0" b="0"/>
-          </a:fillRef>
-          <a:effectRef idx="0">
-            <a:scrgbClr r="0" g="0" b="0"/>
-          </a:effectRef>
-          <a:fontRef idx="minor"/>
-        </p:style>
-      </p:sp>
-      <p:sp>
-        <p:nvSpPr>
-          <p:cNvPr id="90" name="Line 9"/>
-          <p:cNvSpPr/>
-          <p:nvPr/>
-        </p:nvSpPr>
-        <p:spPr>
-          <a:xfrm>
-            <a:off x="8148000" y="936000"/>
-            <a:ext cx="720000" cy="648000"/>
-          </a:xfrm>
-          <a:prstGeom prst="line">
-            <a:avLst/>
-          </a:prstGeom>
-          <a:ln>
-            <a:solidFill>
-              <a:srgbClr val="3465A4"/>
-            </a:solidFill>
-            <a:tailEnd type="triangle" w="med" len="med"/>
-          </a:ln>
-        </p:spPr>
-        <p:style>
-          <a:lnRef idx="0">
-            <a:scrgbClr r="0" g="0" b="0"/>
-          </a:lnRef>
-          <a:fillRef idx="0">
-            <a:scrgbClr r="0" g="0" b="0"/>
-          </a:fillRef>
-          <a:effectRef idx="0">
-            <a:scrgbClr r="0" g="0" b="0"/>
-          </a:effectRef>
-          <a:fontRef idx="minor"/>
-        </p:style>
-      </p:sp>
-    </p:spTree>
   </p:cSld>
   <p:clrMapOvr>
     <a:masterClrMapping/>
@@ -20590,24 +21528,6 @@
 </file>
 
 <file path=customXml/item1.xml><?xml version="1.0" encoding="utf-8"?>
-<p:properties xmlns:p="http://schemas.microsoft.com/office/2006/metadata/properties" xmlns:xsi="http://www.w3.org/2001/XMLSchema-instance" xmlns:pc="http://schemas.microsoft.com/office/infopath/2007/PartnerControls">
-  <documentManagement>
-    <_ip_UnifiedCompliancePolicyUIAction xmlns="http://schemas.microsoft.com/sharepoint/v3" xsi:nil="true"/>
-    <_ip_UnifiedCompliancePolicyProperties xmlns="http://schemas.microsoft.com/sharepoint/v3" xsi:nil="true"/>
-  </documentManagement>
-</p:properties>
-</file>
-
-<file path=customXml/item2.xml><?xml version="1.0" encoding="utf-8"?>
-<?mso-contentType ?>
-<FormTemplates xmlns="http://schemas.microsoft.com/sharepoint/v3/contenttype/forms">
-  <Display>DocumentLibraryForm</Display>
-  <Edit>DocumentLibraryForm</Edit>
-  <New>DocumentLibraryForm</New>
-</FormTemplates>
-</file>
-
-<file path=customXml/item3.xml><?xml version="1.0" encoding="utf-8"?>
 <ct:contentTypeSchema xmlns:ct="http://schemas.microsoft.com/office/2006/metadata/contentType" xmlns:ma="http://schemas.microsoft.com/office/2006/metadata/properties/metaAttributes" ct:_="" ma:_="" ma:contentTypeName="Document" ma:contentTypeID="0x010100DEEA25CC0A0AC24199CDC46C25B8B0BC" ma:contentTypeVersion="10" ma:contentTypeDescription="Create a new document." ma:contentTypeScope="" ma:versionID="e3b47856d4cf355c0dacb39e1084d14f">
   <xsd:schema xmlns:xsd="http://www.w3.org/2001/XMLSchema" xmlns:xs="http://www.w3.org/2001/XMLSchema" xmlns:p="http://schemas.microsoft.com/office/2006/metadata/properties" xmlns:ns1="http://schemas.microsoft.com/sharepoint/v3" xmlns:ns2="6dc4bcd6-49db-4c07-9060-8acfc67cef9f" xmlns:ns3="fb0879af-3eba-417a-a55a-ffe6dcd6ca77" targetNamespace="http://schemas.microsoft.com/office/2006/metadata/properties" ma:root="true" ma:fieldsID="a845a615265fdb1f7b12cc65ac20ecbd" ns1:_="" ns2:_="" ns3:_="">
     <xsd:import namespace="http://schemas.microsoft.com/sharepoint/v3"/>
@@ -20815,7 +21735,45 @@
 </ct:contentTypeSchema>
 </file>
 
+<file path=customXml/item2.xml><?xml version="1.0" encoding="utf-8"?>
+<p:properties xmlns:p="http://schemas.microsoft.com/office/2006/metadata/properties" xmlns:xsi="http://www.w3.org/2001/XMLSchema-instance" xmlns:pc="http://schemas.microsoft.com/office/infopath/2007/PartnerControls">
+  <documentManagement>
+    <_ip_UnifiedCompliancePolicyUIAction xmlns="http://schemas.microsoft.com/sharepoint/v3" xsi:nil="true"/>
+    <_ip_UnifiedCompliancePolicyProperties xmlns="http://schemas.microsoft.com/sharepoint/v3" xsi:nil="true"/>
+  </documentManagement>
+</p:properties>
+</file>
+
+<file path=customXml/item3.xml><?xml version="1.0" encoding="utf-8"?>
+<?mso-contentType ?>
+<FormTemplates xmlns="http://schemas.microsoft.com/sharepoint/v3/contenttype/forms">
+  <Display>DocumentLibraryForm</Display>
+  <Edit>DocumentLibraryForm</Edit>
+  <New>DocumentLibraryForm</New>
+</FormTemplates>
+</file>
+
 <file path=customXml/itemProps1.xml><?xml version="1.0" encoding="utf-8"?>
+<ds:datastoreItem xmlns:ds="http://schemas.openxmlformats.org/officeDocument/2006/customXml" ds:itemID="{3BFA294F-07D1-46AB-ABEC-1B0200FE30AB}">
+  <ds:schemaRefs>
+    <ds:schemaRef ds:uri="http://schemas.microsoft.com/office/2006/metadata/contentType"/>
+    <ds:schemaRef ds:uri="http://schemas.microsoft.com/office/2006/metadata/properties/metaAttributes"/>
+    <ds:schemaRef ds:uri="http://www.w3.org/2001/XMLSchema"/>
+    <ds:schemaRef ds:uri="http://schemas.microsoft.com/office/2006/metadata/properties"/>
+    <ds:schemaRef ds:uri="http://schemas.microsoft.com/sharepoint/v3"/>
+    <ds:schemaRef ds:uri="6dc4bcd6-49db-4c07-9060-8acfc67cef9f"/>
+    <ds:schemaRef ds:uri="fb0879af-3eba-417a-a55a-ffe6dcd6ca77"/>
+    <ds:schemaRef ds:uri="http://schemas.microsoft.com/office/2006/documentManagement/types"/>
+    <ds:schemaRef ds:uri="http://schemas.microsoft.com/office/infopath/2007/PartnerControls"/>
+    <ds:schemaRef ds:uri="http://schemas.openxmlformats.org/package/2006/metadata/core-properties"/>
+    <ds:schemaRef ds:uri="http://purl.org/dc/elements/1.1/"/>
+    <ds:schemaRef ds:uri="http://purl.org/dc/terms/"/>
+    <ds:schemaRef ds:uri="http://schemas.microsoft.com/internal/obd"/>
+  </ds:schemaRefs>
+</ds:datastoreItem>
+</file>
+
+<file path=customXml/itemProps2.xml><?xml version="1.0" encoding="utf-8"?>
 <ds:datastoreItem xmlns:ds="http://schemas.openxmlformats.org/officeDocument/2006/customXml" ds:itemID="{4DA1C8E2-513F-4C9C-99C7-9AE0E7429B06}">
   <ds:schemaRefs>
     <ds:schemaRef ds:uri="http://www.w3.org/XML/1998/namespace"/>
@@ -20833,30 +21791,10 @@
 </ds:datastoreItem>
 </file>
 
-<file path=customXml/itemProps2.xml><?xml version="1.0" encoding="utf-8"?>
+<file path=customXml/itemProps3.xml><?xml version="1.0" encoding="utf-8"?>
 <ds:datastoreItem xmlns:ds="http://schemas.openxmlformats.org/officeDocument/2006/customXml" ds:itemID="{883E0B16-80BF-4868-8813-6B17170D724D}">
   <ds:schemaRefs>
     <ds:schemaRef ds:uri="http://schemas.microsoft.com/sharepoint/v3/contenttype/forms"/>
   </ds:schemaRefs>
 </ds:datastoreItem>
-</file>
-
-<file path=customXml/itemProps3.xml><?xml version="1.0" encoding="utf-8"?>
-<ds:datastoreItem xmlns:ds="http://schemas.openxmlformats.org/officeDocument/2006/customXml" ds:itemID="{3BFA294F-07D1-46AB-ABEC-1B0200FE30AB}">
-  <ds:schemaRefs>
-    <ds:schemaRef ds:uri="http://schemas.microsoft.com/office/2006/metadata/contentType"/>
-    <ds:schemaRef ds:uri="http://schemas.microsoft.com/office/2006/metadata/properties/metaAttributes"/>
-    <ds:schemaRef ds:uri="http://www.w3.org/2001/XMLSchema"/>
-    <ds:schemaRef ds:uri="http://schemas.microsoft.com/office/2006/metadata/properties"/>
-    <ds:schemaRef ds:uri="http://schemas.microsoft.com/sharepoint/v3"/>
-    <ds:schemaRef ds:uri="6dc4bcd6-49db-4c07-9060-8acfc67cef9f"/>
-    <ds:schemaRef ds:uri="fb0879af-3eba-417a-a55a-ffe6dcd6ca77"/>
-    <ds:schemaRef ds:uri="http://schemas.microsoft.com/office/2006/documentManagement/types"/>
-    <ds:schemaRef ds:uri="http://schemas.microsoft.com/office/infopath/2007/PartnerControls"/>
-    <ds:schemaRef ds:uri="http://schemas.openxmlformats.org/package/2006/metadata/core-properties"/>
-    <ds:schemaRef ds:uri="http://purl.org/dc/elements/1.1/"/>
-    <ds:schemaRef ds:uri="http://purl.org/dc/terms/"/>
-    <ds:schemaRef ds:uri="http://schemas.microsoft.com/internal/obd"/>
-  </ds:schemaRefs>
-</ds:datastoreItem>
 </file>